--- a/Lec-12-13-multi-cycle-cpu.pptx
+++ b/Lec-12-13-multi-cycle-cpu.pptx
@@ -5,7 +5,7 @@
     <p:sldMasterId id="2147483648" r:id="rId1"/>
   </p:sldMasterIdLst>
   <p:notesMasterIdLst>
-    <p:notesMasterId r:id="rId13"/>
+    <p:notesMasterId r:id="rId19"/>
   </p:notesMasterIdLst>
   <p:sldIdLst>
     <p:sldId id="337" r:id="rId2"/>
@@ -18,7 +18,13 @@
     <p:sldId id="423" r:id="rId9"/>
     <p:sldId id="427" r:id="rId10"/>
     <p:sldId id="428" r:id="rId11"/>
-    <p:sldId id="429" r:id="rId12"/>
+    <p:sldId id="430" r:id="rId12"/>
+    <p:sldId id="431" r:id="rId13"/>
+    <p:sldId id="429" r:id="rId14"/>
+    <p:sldId id="432" r:id="rId15"/>
+    <p:sldId id="433" r:id="rId16"/>
+    <p:sldId id="434" r:id="rId17"/>
+    <p:sldId id="435" r:id="rId18"/>
   </p:sldIdLst>
   <p:sldSz cx="9144000" cy="6858000" type="screen4x3"/>
   <p:notesSz cx="6858000" cy="9144000"/>
@@ -300,7 +306,7 @@
               <a:pPr>
                 <a:defRPr/>
               </a:pPr>
-              <a:t>2/11/2026</a:t>
+              <a:t>2/13/2026</a:t>
             </a:fld>
             <a:endParaRPr lang="en-US"/>
           </a:p>
@@ -7218,6 +7224,1230 @@
           <p:cNvPr id="2" name="Title 1">
             <a:extLst>
               <a:ext uri="{FF2B5EF4-FFF2-40B4-BE49-F238E27FC236}">
+                <a16:creationId xmlns:a16="http://schemas.microsoft.com/office/drawing/2014/main" id="{BA570027-48E9-4F87-8430-FEA507B0C756}"/>
+              </a:ext>
+            </a:extLst>
+          </p:cNvPr>
+          <p:cNvSpPr>
+            <a:spLocks noGrp="1"/>
+          </p:cNvSpPr>
+          <p:nvPr>
+            <p:ph type="title"/>
+          </p:nvPr>
+        </p:nvSpPr>
+        <p:spPr/>
+        <p:txBody>
+          <a:bodyPr/>
+          <a:lstStyle/>
+          <a:p>
+            <a:r>
+              <a:rPr lang="en-US" dirty="0"/>
+              <a:t>Average execution time</a:t>
+            </a:r>
+          </a:p>
+        </p:txBody>
+      </p:sp>
+      <p:sp>
+        <p:nvSpPr>
+          <p:cNvPr id="3" name="Content Placeholder 2">
+            <a:extLst>
+              <a:ext uri="{FF2B5EF4-FFF2-40B4-BE49-F238E27FC236}">
+                <a16:creationId xmlns:a16="http://schemas.microsoft.com/office/drawing/2014/main" id="{1DD7167B-4A9B-4BFF-94C7-183171746AF9}"/>
+              </a:ext>
+            </a:extLst>
+          </p:cNvPr>
+          <p:cNvSpPr>
+            <a:spLocks noGrp="1"/>
+          </p:cNvSpPr>
+          <p:nvPr>
+            <p:ph idx="1"/>
+          </p:nvPr>
+        </p:nvSpPr>
+        <p:spPr/>
+        <p:txBody>
+          <a:bodyPr>
+            <a:normAutofit fontScale="92500" lnSpcReduction="20000"/>
+          </a:bodyPr>
+          <a:lstStyle/>
+          <a:p>
+            <a:r>
+              <a:rPr lang="en-US" dirty="0"/>
+              <a:t>Execution time is no longer fixed, but instruction dependent</a:t>
+            </a:r>
+          </a:p>
+          <a:p>
+            <a:r>
+              <a:rPr lang="en-US" dirty="0"/>
+              <a:t>Average execution time depends on the mix of instructions</a:t>
+            </a:r>
+          </a:p>
+          <a:p>
+            <a:r>
+              <a:rPr lang="en-US" dirty="0">
+                <a:solidFill>
+                  <a:srgbClr val="EA3F26"/>
+                </a:solidFill>
+              </a:rPr>
+              <a:t>Execution time for R-type multicycle?</a:t>
+            </a:r>
+          </a:p>
+          <a:p>
+            <a:r>
+              <a:rPr lang="en-US" dirty="0"/>
+              <a:t>Wow… what just happened?</a:t>
+            </a:r>
+          </a:p>
+          <a:p>
+            <a:pPr lvl="1"/>
+            <a:r>
+              <a:rPr lang="en-US" dirty="0"/>
+              <a:t>We wanted to speed up things by not doing unnecessary computations</a:t>
+            </a:r>
+          </a:p>
+          <a:p>
+            <a:pPr lvl="1"/>
+            <a:r>
+              <a:rPr lang="en-US" dirty="0"/>
+              <a:t>We successfully avoided unnecessary computations</a:t>
+            </a:r>
+          </a:p>
+          <a:p>
+            <a:pPr lvl="1"/>
+            <a:r>
+              <a:rPr lang="en-US" dirty="0"/>
+              <a:t>But execution time increased?!</a:t>
+            </a:r>
+          </a:p>
+          <a:p>
+            <a:r>
+              <a:rPr lang="en-US" dirty="0">
+                <a:solidFill>
+                  <a:srgbClr val="FFC000"/>
+                </a:solidFill>
+              </a:rPr>
+              <a:t>Short stages unnecessarily waste time waiting for infrequent long stages!</a:t>
+            </a:r>
+          </a:p>
+        </p:txBody>
+      </p:sp>
+      <p:sp>
+        <p:nvSpPr>
+          <p:cNvPr id="4" name="Date Placeholder 3">
+            <a:extLst>
+              <a:ext uri="{FF2B5EF4-FFF2-40B4-BE49-F238E27FC236}">
+                <a16:creationId xmlns:a16="http://schemas.microsoft.com/office/drawing/2014/main" id="{8A577924-F52C-463D-B456-1CEF90DF82C7}"/>
+              </a:ext>
+            </a:extLst>
+          </p:cNvPr>
+          <p:cNvSpPr>
+            <a:spLocks noGrp="1"/>
+          </p:cNvSpPr>
+          <p:nvPr>
+            <p:ph type="dt" sz="half" idx="10"/>
+          </p:nvPr>
+        </p:nvSpPr>
+        <p:spPr/>
+        <p:txBody>
+          <a:bodyPr/>
+          <a:lstStyle/>
+          <a:p>
+            <a:pPr>
+              <a:defRPr/>
+            </a:pPr>
+            <a:r>
+              <a:rPr lang="en-US"/>
+              <a:t>21/12/2020</a:t>
+            </a:r>
+          </a:p>
+        </p:txBody>
+      </p:sp>
+      <p:sp>
+        <p:nvSpPr>
+          <p:cNvPr id="5" name="Slide Number Placeholder 4">
+            <a:extLst>
+              <a:ext uri="{FF2B5EF4-FFF2-40B4-BE49-F238E27FC236}">
+                <a16:creationId xmlns:a16="http://schemas.microsoft.com/office/drawing/2014/main" id="{20E86A1E-D015-44D6-BF94-0473A3A9CC48}"/>
+              </a:ext>
+            </a:extLst>
+          </p:cNvPr>
+          <p:cNvSpPr>
+            <a:spLocks noGrp="1"/>
+          </p:cNvSpPr>
+          <p:nvPr>
+            <p:ph type="sldNum" sz="quarter" idx="12"/>
+          </p:nvPr>
+        </p:nvSpPr>
+        <p:spPr/>
+        <p:txBody>
+          <a:bodyPr/>
+          <a:lstStyle/>
+          <a:p>
+            <a:pPr>
+              <a:defRPr/>
+            </a:pPr>
+            <a:fld id="{CA887A73-1AE0-46F8-856A-18EA1CF30A1B}" type="slidenum">
+              <a:rPr lang="en-US" altLang="en-US" smtClean="0"/>
+              <a:pPr>
+                <a:defRPr/>
+              </a:pPr>
+              <a:t>11</a:t>
+            </a:fld>
+            <a:endParaRPr lang="en-US" altLang="en-US"/>
+          </a:p>
+        </p:txBody>
+      </p:sp>
+      <p:pic>
+        <p:nvPicPr>
+          <p:cNvPr id="7" name="Picture 6">
+            <a:extLst>
+              <a:ext uri="{FF2B5EF4-FFF2-40B4-BE49-F238E27FC236}">
+                <a16:creationId xmlns:a16="http://schemas.microsoft.com/office/drawing/2014/main" id="{9FC25819-809C-42D1-B8E6-558ADB584278}"/>
+              </a:ext>
+            </a:extLst>
+          </p:cNvPr>
+          <p:cNvPicPr>
+            <a:picLocks noChangeAspect="1"/>
+          </p:cNvPicPr>
+          <p:nvPr/>
+        </p:nvPicPr>
+        <p:blipFill>
+          <a:blip r:embed="rId2"/>
+          <a:stretch>
+            <a:fillRect/>
+          </a:stretch>
+        </p:blipFill>
+        <p:spPr>
+          <a:xfrm>
+            <a:off x="6619555" y="2819400"/>
+            <a:ext cx="2295845" cy="523948"/>
+          </a:xfrm>
+          <a:prstGeom prst="rect">
+            <a:avLst/>
+          </a:prstGeom>
+        </p:spPr>
+      </p:pic>
+    </p:spTree>
+    <p:extLst>
+      <p:ext uri="{BB962C8B-B14F-4D97-AF65-F5344CB8AC3E}">
+        <p14:creationId xmlns:p14="http://schemas.microsoft.com/office/powerpoint/2010/main" val="1847051458"/>
+      </p:ext>
+    </p:extLst>
+  </p:cSld>
+  <p:clrMapOvr>
+    <a:masterClrMapping/>
+  </p:clrMapOvr>
+  <p:timing>
+    <p:tnLst>
+      <p:par>
+        <p:cTn id="1" dur="indefinite" restart="never" nodeType="tmRoot">
+          <p:childTnLst>
+            <p:seq concurrent="1" nextAc="seek">
+              <p:cTn id="2" dur="indefinite" nodeType="mainSeq">
+                <p:childTnLst>
+                  <p:par>
+                    <p:cTn id="3" fill="hold">
+                      <p:stCondLst>
+                        <p:cond delay="indefinite"/>
+                      </p:stCondLst>
+                      <p:childTnLst>
+                        <p:par>
+                          <p:cTn id="4" fill="hold">
+                            <p:stCondLst>
+                              <p:cond delay="0"/>
+                            </p:stCondLst>
+                            <p:childTnLst>
+                              <p:par>
+                                <p:cTn id="5" presetID="1" presetClass="entr" presetSubtype="0" fill="hold" grpId="0" nodeType="clickEffect">
+                                  <p:stCondLst>
+                                    <p:cond delay="0"/>
+                                  </p:stCondLst>
+                                  <p:childTnLst>
+                                    <p:set>
+                                      <p:cBhvr>
+                                        <p:cTn id="6" dur="1" fill="hold">
+                                          <p:stCondLst>
+                                            <p:cond delay="0"/>
+                                          </p:stCondLst>
+                                        </p:cTn>
+                                        <p:tgtEl>
+                                          <p:spTgt spid="3">
+                                            <p:txEl>
+                                              <p:pRg st="0" end="0"/>
+                                            </p:txEl>
+                                          </p:spTgt>
+                                        </p:tgtEl>
+                                        <p:attrNameLst>
+                                          <p:attrName>style.visibility</p:attrName>
+                                        </p:attrNameLst>
+                                      </p:cBhvr>
+                                      <p:to>
+                                        <p:strVal val="visible"/>
+                                      </p:to>
+                                    </p:set>
+                                  </p:childTnLst>
+                                </p:cTn>
+                              </p:par>
+                            </p:childTnLst>
+                          </p:cTn>
+                        </p:par>
+                      </p:childTnLst>
+                    </p:cTn>
+                  </p:par>
+                  <p:par>
+                    <p:cTn id="7" fill="hold">
+                      <p:stCondLst>
+                        <p:cond delay="indefinite"/>
+                      </p:stCondLst>
+                      <p:childTnLst>
+                        <p:par>
+                          <p:cTn id="8" fill="hold">
+                            <p:stCondLst>
+                              <p:cond delay="0"/>
+                            </p:stCondLst>
+                            <p:childTnLst>
+                              <p:par>
+                                <p:cTn id="9" presetID="1" presetClass="entr" presetSubtype="0" fill="hold" grpId="0" nodeType="clickEffect">
+                                  <p:stCondLst>
+                                    <p:cond delay="0"/>
+                                  </p:stCondLst>
+                                  <p:childTnLst>
+                                    <p:set>
+                                      <p:cBhvr>
+                                        <p:cTn id="10" dur="1" fill="hold">
+                                          <p:stCondLst>
+                                            <p:cond delay="0"/>
+                                          </p:stCondLst>
+                                        </p:cTn>
+                                        <p:tgtEl>
+                                          <p:spTgt spid="3">
+                                            <p:txEl>
+                                              <p:pRg st="1" end="1"/>
+                                            </p:txEl>
+                                          </p:spTgt>
+                                        </p:tgtEl>
+                                        <p:attrNameLst>
+                                          <p:attrName>style.visibility</p:attrName>
+                                        </p:attrNameLst>
+                                      </p:cBhvr>
+                                      <p:to>
+                                        <p:strVal val="visible"/>
+                                      </p:to>
+                                    </p:set>
+                                  </p:childTnLst>
+                                </p:cTn>
+                              </p:par>
+                            </p:childTnLst>
+                          </p:cTn>
+                        </p:par>
+                      </p:childTnLst>
+                    </p:cTn>
+                  </p:par>
+                  <p:par>
+                    <p:cTn id="11" fill="hold">
+                      <p:stCondLst>
+                        <p:cond delay="indefinite"/>
+                      </p:stCondLst>
+                      <p:childTnLst>
+                        <p:par>
+                          <p:cTn id="12" fill="hold">
+                            <p:stCondLst>
+                              <p:cond delay="0"/>
+                            </p:stCondLst>
+                            <p:childTnLst>
+                              <p:par>
+                                <p:cTn id="13" presetID="1" presetClass="entr" presetSubtype="0" fill="hold" nodeType="clickEffect">
+                                  <p:stCondLst>
+                                    <p:cond delay="0"/>
+                                  </p:stCondLst>
+                                  <p:childTnLst>
+                                    <p:set>
+                                      <p:cBhvr>
+                                        <p:cTn id="14" dur="1" fill="hold">
+                                          <p:stCondLst>
+                                            <p:cond delay="0"/>
+                                          </p:stCondLst>
+                                        </p:cTn>
+                                        <p:tgtEl>
+                                          <p:spTgt spid="7"/>
+                                        </p:tgtEl>
+                                        <p:attrNameLst>
+                                          <p:attrName>style.visibility</p:attrName>
+                                        </p:attrNameLst>
+                                      </p:cBhvr>
+                                      <p:to>
+                                        <p:strVal val="visible"/>
+                                      </p:to>
+                                    </p:set>
+                                  </p:childTnLst>
+                                </p:cTn>
+                              </p:par>
+                            </p:childTnLst>
+                          </p:cTn>
+                        </p:par>
+                      </p:childTnLst>
+                    </p:cTn>
+                  </p:par>
+                  <p:par>
+                    <p:cTn id="15" fill="hold">
+                      <p:stCondLst>
+                        <p:cond delay="indefinite"/>
+                      </p:stCondLst>
+                      <p:childTnLst>
+                        <p:par>
+                          <p:cTn id="16" fill="hold">
+                            <p:stCondLst>
+                              <p:cond delay="0"/>
+                            </p:stCondLst>
+                            <p:childTnLst>
+                              <p:par>
+                                <p:cTn id="17" presetID="1" presetClass="entr" presetSubtype="0" fill="hold" grpId="0" nodeType="clickEffect">
+                                  <p:stCondLst>
+                                    <p:cond delay="0"/>
+                                  </p:stCondLst>
+                                  <p:childTnLst>
+                                    <p:set>
+                                      <p:cBhvr>
+                                        <p:cTn id="18" dur="1" fill="hold">
+                                          <p:stCondLst>
+                                            <p:cond delay="0"/>
+                                          </p:stCondLst>
+                                        </p:cTn>
+                                        <p:tgtEl>
+                                          <p:spTgt spid="3">
+                                            <p:txEl>
+                                              <p:pRg st="2" end="2"/>
+                                            </p:txEl>
+                                          </p:spTgt>
+                                        </p:tgtEl>
+                                        <p:attrNameLst>
+                                          <p:attrName>style.visibility</p:attrName>
+                                        </p:attrNameLst>
+                                      </p:cBhvr>
+                                      <p:to>
+                                        <p:strVal val="visible"/>
+                                      </p:to>
+                                    </p:set>
+                                  </p:childTnLst>
+                                </p:cTn>
+                              </p:par>
+                            </p:childTnLst>
+                          </p:cTn>
+                        </p:par>
+                      </p:childTnLst>
+                    </p:cTn>
+                  </p:par>
+                  <p:par>
+                    <p:cTn id="19" fill="hold">
+                      <p:stCondLst>
+                        <p:cond delay="indefinite"/>
+                      </p:stCondLst>
+                      <p:childTnLst>
+                        <p:par>
+                          <p:cTn id="20" fill="hold">
+                            <p:stCondLst>
+                              <p:cond delay="0"/>
+                            </p:stCondLst>
+                            <p:childTnLst>
+                              <p:par>
+                                <p:cTn id="21" presetID="1" presetClass="entr" presetSubtype="0" fill="hold" grpId="0" nodeType="clickEffect">
+                                  <p:stCondLst>
+                                    <p:cond delay="0"/>
+                                  </p:stCondLst>
+                                  <p:childTnLst>
+                                    <p:set>
+                                      <p:cBhvr>
+                                        <p:cTn id="22" dur="1" fill="hold">
+                                          <p:stCondLst>
+                                            <p:cond delay="0"/>
+                                          </p:stCondLst>
+                                        </p:cTn>
+                                        <p:tgtEl>
+                                          <p:spTgt spid="3">
+                                            <p:txEl>
+                                              <p:pRg st="3" end="3"/>
+                                            </p:txEl>
+                                          </p:spTgt>
+                                        </p:tgtEl>
+                                        <p:attrNameLst>
+                                          <p:attrName>style.visibility</p:attrName>
+                                        </p:attrNameLst>
+                                      </p:cBhvr>
+                                      <p:to>
+                                        <p:strVal val="visible"/>
+                                      </p:to>
+                                    </p:set>
+                                  </p:childTnLst>
+                                </p:cTn>
+                              </p:par>
+                            </p:childTnLst>
+                          </p:cTn>
+                        </p:par>
+                      </p:childTnLst>
+                    </p:cTn>
+                  </p:par>
+                  <p:par>
+                    <p:cTn id="23" fill="hold">
+                      <p:stCondLst>
+                        <p:cond delay="indefinite"/>
+                      </p:stCondLst>
+                      <p:childTnLst>
+                        <p:par>
+                          <p:cTn id="24" fill="hold">
+                            <p:stCondLst>
+                              <p:cond delay="0"/>
+                            </p:stCondLst>
+                            <p:childTnLst>
+                              <p:par>
+                                <p:cTn id="25" presetID="1" presetClass="entr" presetSubtype="0" fill="hold" grpId="0" nodeType="clickEffect">
+                                  <p:stCondLst>
+                                    <p:cond delay="0"/>
+                                  </p:stCondLst>
+                                  <p:childTnLst>
+                                    <p:set>
+                                      <p:cBhvr>
+                                        <p:cTn id="26" dur="1" fill="hold">
+                                          <p:stCondLst>
+                                            <p:cond delay="0"/>
+                                          </p:stCondLst>
+                                        </p:cTn>
+                                        <p:tgtEl>
+                                          <p:spTgt spid="3">
+                                            <p:txEl>
+                                              <p:pRg st="4" end="4"/>
+                                            </p:txEl>
+                                          </p:spTgt>
+                                        </p:tgtEl>
+                                        <p:attrNameLst>
+                                          <p:attrName>style.visibility</p:attrName>
+                                        </p:attrNameLst>
+                                      </p:cBhvr>
+                                      <p:to>
+                                        <p:strVal val="visible"/>
+                                      </p:to>
+                                    </p:set>
+                                  </p:childTnLst>
+                                </p:cTn>
+                              </p:par>
+                            </p:childTnLst>
+                          </p:cTn>
+                        </p:par>
+                      </p:childTnLst>
+                    </p:cTn>
+                  </p:par>
+                  <p:par>
+                    <p:cTn id="27" fill="hold">
+                      <p:stCondLst>
+                        <p:cond delay="indefinite"/>
+                      </p:stCondLst>
+                      <p:childTnLst>
+                        <p:par>
+                          <p:cTn id="28" fill="hold">
+                            <p:stCondLst>
+                              <p:cond delay="0"/>
+                            </p:stCondLst>
+                            <p:childTnLst>
+                              <p:par>
+                                <p:cTn id="29" presetID="1" presetClass="entr" presetSubtype="0" fill="hold" grpId="0" nodeType="clickEffect">
+                                  <p:stCondLst>
+                                    <p:cond delay="0"/>
+                                  </p:stCondLst>
+                                  <p:childTnLst>
+                                    <p:set>
+                                      <p:cBhvr>
+                                        <p:cTn id="30" dur="1" fill="hold">
+                                          <p:stCondLst>
+                                            <p:cond delay="0"/>
+                                          </p:stCondLst>
+                                        </p:cTn>
+                                        <p:tgtEl>
+                                          <p:spTgt spid="3">
+                                            <p:txEl>
+                                              <p:pRg st="5" end="5"/>
+                                            </p:txEl>
+                                          </p:spTgt>
+                                        </p:tgtEl>
+                                        <p:attrNameLst>
+                                          <p:attrName>style.visibility</p:attrName>
+                                        </p:attrNameLst>
+                                      </p:cBhvr>
+                                      <p:to>
+                                        <p:strVal val="visible"/>
+                                      </p:to>
+                                    </p:set>
+                                  </p:childTnLst>
+                                </p:cTn>
+                              </p:par>
+                            </p:childTnLst>
+                          </p:cTn>
+                        </p:par>
+                      </p:childTnLst>
+                    </p:cTn>
+                  </p:par>
+                  <p:par>
+                    <p:cTn id="31" fill="hold">
+                      <p:stCondLst>
+                        <p:cond delay="indefinite"/>
+                      </p:stCondLst>
+                      <p:childTnLst>
+                        <p:par>
+                          <p:cTn id="32" fill="hold">
+                            <p:stCondLst>
+                              <p:cond delay="0"/>
+                            </p:stCondLst>
+                            <p:childTnLst>
+                              <p:par>
+                                <p:cTn id="33" presetID="1" presetClass="entr" presetSubtype="0" fill="hold" grpId="0" nodeType="clickEffect">
+                                  <p:stCondLst>
+                                    <p:cond delay="0"/>
+                                  </p:stCondLst>
+                                  <p:childTnLst>
+                                    <p:set>
+                                      <p:cBhvr>
+                                        <p:cTn id="34" dur="1" fill="hold">
+                                          <p:stCondLst>
+                                            <p:cond delay="0"/>
+                                          </p:stCondLst>
+                                        </p:cTn>
+                                        <p:tgtEl>
+                                          <p:spTgt spid="3">
+                                            <p:txEl>
+                                              <p:pRg st="6" end="6"/>
+                                            </p:txEl>
+                                          </p:spTgt>
+                                        </p:tgtEl>
+                                        <p:attrNameLst>
+                                          <p:attrName>style.visibility</p:attrName>
+                                        </p:attrNameLst>
+                                      </p:cBhvr>
+                                      <p:to>
+                                        <p:strVal val="visible"/>
+                                      </p:to>
+                                    </p:set>
+                                  </p:childTnLst>
+                                </p:cTn>
+                              </p:par>
+                            </p:childTnLst>
+                          </p:cTn>
+                        </p:par>
+                      </p:childTnLst>
+                    </p:cTn>
+                  </p:par>
+                  <p:par>
+                    <p:cTn id="35" fill="hold">
+                      <p:stCondLst>
+                        <p:cond delay="indefinite"/>
+                      </p:stCondLst>
+                      <p:childTnLst>
+                        <p:par>
+                          <p:cTn id="36" fill="hold">
+                            <p:stCondLst>
+                              <p:cond delay="0"/>
+                            </p:stCondLst>
+                            <p:childTnLst>
+                              <p:par>
+                                <p:cTn id="37" presetID="1" presetClass="entr" presetSubtype="0" fill="hold" grpId="0" nodeType="clickEffect">
+                                  <p:stCondLst>
+                                    <p:cond delay="0"/>
+                                  </p:stCondLst>
+                                  <p:childTnLst>
+                                    <p:set>
+                                      <p:cBhvr>
+                                        <p:cTn id="38" dur="1" fill="hold">
+                                          <p:stCondLst>
+                                            <p:cond delay="0"/>
+                                          </p:stCondLst>
+                                        </p:cTn>
+                                        <p:tgtEl>
+                                          <p:spTgt spid="3">
+                                            <p:txEl>
+                                              <p:pRg st="7" end="7"/>
+                                            </p:txEl>
+                                          </p:spTgt>
+                                        </p:tgtEl>
+                                        <p:attrNameLst>
+                                          <p:attrName>style.visibility</p:attrName>
+                                        </p:attrNameLst>
+                                      </p:cBhvr>
+                                      <p:to>
+                                        <p:strVal val="visible"/>
+                                      </p:to>
+                                    </p:set>
+                                  </p:childTnLst>
+                                </p:cTn>
+                              </p:par>
+                            </p:childTnLst>
+                          </p:cTn>
+                        </p:par>
+                      </p:childTnLst>
+                    </p:cTn>
+                  </p:par>
+                </p:childTnLst>
+              </p:cTn>
+              <p:prevCondLst>
+                <p:cond evt="onPrev" delay="0">
+                  <p:tgtEl>
+                    <p:sldTgt/>
+                  </p:tgtEl>
+                </p:cond>
+              </p:prevCondLst>
+              <p:nextCondLst>
+                <p:cond evt="onNext" delay="0">
+                  <p:tgtEl>
+                    <p:sldTgt/>
+                  </p:tgtEl>
+                </p:cond>
+              </p:nextCondLst>
+            </p:seq>
+          </p:childTnLst>
+        </p:cTn>
+      </p:par>
+    </p:tnLst>
+    <p:bldLst>
+      <p:bldP spid="3" grpId="0" uiExpand="1" build="p"/>
+    </p:bldLst>
+  </p:timing>
+</p:sld>
+</file>
+
+<file path=ppt/slides/slide12.xml><?xml version="1.0" encoding="utf-8"?>
+<p:sld xmlns:a="http://schemas.openxmlformats.org/drawingml/2006/main" xmlns:r="http://schemas.openxmlformats.org/officeDocument/2006/relationships" xmlns:p="http://schemas.openxmlformats.org/presentationml/2006/main">
+  <p:cSld>
+    <p:spTree>
+      <p:nvGrpSpPr>
+        <p:cNvPr id="1" name=""/>
+        <p:cNvGrpSpPr/>
+        <p:nvPr/>
+      </p:nvGrpSpPr>
+      <p:grpSpPr>
+        <a:xfrm>
+          <a:off x="0" y="0"/>
+          <a:ext cx="0" cy="0"/>
+          <a:chOff x="0" y="0"/>
+          <a:chExt cx="0" cy="0"/>
+        </a:xfrm>
+      </p:grpSpPr>
+      <p:sp>
+        <p:nvSpPr>
+          <p:cNvPr id="2" name="Title 1">
+            <a:extLst>
+              <a:ext uri="{FF2B5EF4-FFF2-40B4-BE49-F238E27FC236}">
+                <a16:creationId xmlns:a16="http://schemas.microsoft.com/office/drawing/2014/main" id="{017CAE53-BEA2-4896-AF1F-1B79FBBFE436}"/>
+              </a:ext>
+            </a:extLst>
+          </p:cNvPr>
+          <p:cNvSpPr>
+            <a:spLocks noGrp="1"/>
+          </p:cNvSpPr>
+          <p:nvPr>
+            <p:ph type="title"/>
+          </p:nvPr>
+        </p:nvSpPr>
+        <p:spPr/>
+        <p:txBody>
+          <a:bodyPr/>
+          <a:lstStyle/>
+          <a:p>
+            <a:r>
+              <a:rPr lang="en-US" dirty="0"/>
+              <a:t>Evaluating multicycle</a:t>
+            </a:r>
+          </a:p>
+        </p:txBody>
+      </p:sp>
+      <p:sp>
+        <p:nvSpPr>
+          <p:cNvPr id="3" name="Content Placeholder 2">
+            <a:extLst>
+              <a:ext uri="{FF2B5EF4-FFF2-40B4-BE49-F238E27FC236}">
+                <a16:creationId xmlns:a16="http://schemas.microsoft.com/office/drawing/2014/main" id="{7EE9CAB7-7AA3-44A7-99DA-356414A47838}"/>
+              </a:ext>
+            </a:extLst>
+          </p:cNvPr>
+          <p:cNvSpPr>
+            <a:spLocks noGrp="1"/>
+          </p:cNvSpPr>
+          <p:nvPr>
+            <p:ph idx="1"/>
+          </p:nvPr>
+        </p:nvSpPr>
+        <p:spPr/>
+        <p:txBody>
+          <a:bodyPr/>
+          <a:lstStyle/>
+          <a:p>
+            <a:r>
+              <a:rPr lang="en-US" dirty="0">
+                <a:solidFill>
+                  <a:srgbClr val="EA3F26"/>
+                </a:solidFill>
+              </a:rPr>
+              <a:t>What are the other advantages of multicycle?</a:t>
+            </a:r>
+          </a:p>
+          <a:p>
+            <a:r>
+              <a:rPr lang="en-US" dirty="0"/>
+              <a:t>Multicycle (without parallelization) was commercially viable in the 80s!</a:t>
+            </a:r>
+          </a:p>
+          <a:p>
+            <a:r>
+              <a:rPr lang="en-US" dirty="0"/>
+              <a:t>Multicycle allowed complex instruction sets</a:t>
+            </a:r>
+          </a:p>
+          <a:p>
+            <a:r>
+              <a:rPr lang="en-US" dirty="0">
+                <a:solidFill>
+                  <a:srgbClr val="EA3F26"/>
+                </a:solidFill>
+              </a:rPr>
+              <a:t>Under what circumstances can multicycle actually be faster?</a:t>
+            </a:r>
+          </a:p>
+          <a:p>
+            <a:r>
+              <a:rPr lang="en-US" dirty="0"/>
+              <a:t>Given the slow memory, can we somehow gain speed improvement with multicycle?</a:t>
+            </a:r>
+          </a:p>
+          <a:p>
+            <a:r>
+              <a:rPr lang="en-US" dirty="0"/>
+              <a:t>Variable latency multicycle</a:t>
+            </a:r>
+          </a:p>
+        </p:txBody>
+      </p:sp>
+      <p:sp>
+        <p:nvSpPr>
+          <p:cNvPr id="4" name="Date Placeholder 3">
+            <a:extLst>
+              <a:ext uri="{FF2B5EF4-FFF2-40B4-BE49-F238E27FC236}">
+                <a16:creationId xmlns:a16="http://schemas.microsoft.com/office/drawing/2014/main" id="{5653CA21-D1C6-4D23-8646-DEBD126EC92A}"/>
+              </a:ext>
+            </a:extLst>
+          </p:cNvPr>
+          <p:cNvSpPr>
+            <a:spLocks noGrp="1"/>
+          </p:cNvSpPr>
+          <p:nvPr>
+            <p:ph type="dt" sz="half" idx="10"/>
+          </p:nvPr>
+        </p:nvSpPr>
+        <p:spPr/>
+        <p:txBody>
+          <a:bodyPr/>
+          <a:lstStyle/>
+          <a:p>
+            <a:pPr>
+              <a:defRPr/>
+            </a:pPr>
+            <a:r>
+              <a:rPr lang="en-US"/>
+              <a:t>21/12/2020</a:t>
+            </a:r>
+          </a:p>
+        </p:txBody>
+      </p:sp>
+      <p:sp>
+        <p:nvSpPr>
+          <p:cNvPr id="5" name="Slide Number Placeholder 4">
+            <a:extLst>
+              <a:ext uri="{FF2B5EF4-FFF2-40B4-BE49-F238E27FC236}">
+                <a16:creationId xmlns:a16="http://schemas.microsoft.com/office/drawing/2014/main" id="{6875E69F-4DEF-4F86-8D15-1C0528CB8557}"/>
+              </a:ext>
+            </a:extLst>
+          </p:cNvPr>
+          <p:cNvSpPr>
+            <a:spLocks noGrp="1"/>
+          </p:cNvSpPr>
+          <p:nvPr>
+            <p:ph type="sldNum" sz="quarter" idx="12"/>
+          </p:nvPr>
+        </p:nvSpPr>
+        <p:spPr/>
+        <p:txBody>
+          <a:bodyPr/>
+          <a:lstStyle/>
+          <a:p>
+            <a:pPr>
+              <a:defRPr/>
+            </a:pPr>
+            <a:fld id="{CA887A73-1AE0-46F8-856A-18EA1CF30A1B}" type="slidenum">
+              <a:rPr lang="en-US" altLang="en-US" smtClean="0"/>
+              <a:pPr>
+                <a:defRPr/>
+              </a:pPr>
+              <a:t>12</a:t>
+            </a:fld>
+            <a:endParaRPr lang="en-US" altLang="en-US"/>
+          </a:p>
+        </p:txBody>
+      </p:sp>
+    </p:spTree>
+    <p:extLst>
+      <p:ext uri="{BB962C8B-B14F-4D97-AF65-F5344CB8AC3E}">
+        <p14:creationId xmlns:p14="http://schemas.microsoft.com/office/powerpoint/2010/main" val="548103742"/>
+      </p:ext>
+    </p:extLst>
+  </p:cSld>
+  <p:clrMapOvr>
+    <a:masterClrMapping/>
+  </p:clrMapOvr>
+  <p:timing>
+    <p:tnLst>
+      <p:par>
+        <p:cTn id="1" dur="indefinite" restart="never" nodeType="tmRoot">
+          <p:childTnLst>
+            <p:seq concurrent="1" nextAc="seek">
+              <p:cTn id="2" dur="indefinite" nodeType="mainSeq">
+                <p:childTnLst>
+                  <p:par>
+                    <p:cTn id="3" fill="hold">
+                      <p:stCondLst>
+                        <p:cond delay="indefinite"/>
+                      </p:stCondLst>
+                      <p:childTnLst>
+                        <p:par>
+                          <p:cTn id="4" fill="hold">
+                            <p:stCondLst>
+                              <p:cond delay="0"/>
+                            </p:stCondLst>
+                            <p:childTnLst>
+                              <p:par>
+                                <p:cTn id="5" presetID="1" presetClass="entr" presetSubtype="0" fill="hold" grpId="0" nodeType="clickEffect">
+                                  <p:stCondLst>
+                                    <p:cond delay="0"/>
+                                  </p:stCondLst>
+                                  <p:childTnLst>
+                                    <p:set>
+                                      <p:cBhvr>
+                                        <p:cTn id="6" dur="1" fill="hold">
+                                          <p:stCondLst>
+                                            <p:cond delay="0"/>
+                                          </p:stCondLst>
+                                        </p:cTn>
+                                        <p:tgtEl>
+                                          <p:spTgt spid="3">
+                                            <p:txEl>
+                                              <p:pRg st="0" end="0"/>
+                                            </p:txEl>
+                                          </p:spTgt>
+                                        </p:tgtEl>
+                                        <p:attrNameLst>
+                                          <p:attrName>style.visibility</p:attrName>
+                                        </p:attrNameLst>
+                                      </p:cBhvr>
+                                      <p:to>
+                                        <p:strVal val="visible"/>
+                                      </p:to>
+                                    </p:set>
+                                  </p:childTnLst>
+                                </p:cTn>
+                              </p:par>
+                            </p:childTnLst>
+                          </p:cTn>
+                        </p:par>
+                      </p:childTnLst>
+                    </p:cTn>
+                  </p:par>
+                  <p:par>
+                    <p:cTn id="7" fill="hold">
+                      <p:stCondLst>
+                        <p:cond delay="indefinite"/>
+                      </p:stCondLst>
+                      <p:childTnLst>
+                        <p:par>
+                          <p:cTn id="8" fill="hold">
+                            <p:stCondLst>
+                              <p:cond delay="0"/>
+                            </p:stCondLst>
+                            <p:childTnLst>
+                              <p:par>
+                                <p:cTn id="9" presetID="1" presetClass="entr" presetSubtype="0" fill="hold" grpId="0" nodeType="clickEffect">
+                                  <p:stCondLst>
+                                    <p:cond delay="0"/>
+                                  </p:stCondLst>
+                                  <p:childTnLst>
+                                    <p:set>
+                                      <p:cBhvr>
+                                        <p:cTn id="10" dur="1" fill="hold">
+                                          <p:stCondLst>
+                                            <p:cond delay="0"/>
+                                          </p:stCondLst>
+                                        </p:cTn>
+                                        <p:tgtEl>
+                                          <p:spTgt spid="3">
+                                            <p:txEl>
+                                              <p:pRg st="1" end="1"/>
+                                            </p:txEl>
+                                          </p:spTgt>
+                                        </p:tgtEl>
+                                        <p:attrNameLst>
+                                          <p:attrName>style.visibility</p:attrName>
+                                        </p:attrNameLst>
+                                      </p:cBhvr>
+                                      <p:to>
+                                        <p:strVal val="visible"/>
+                                      </p:to>
+                                    </p:set>
+                                  </p:childTnLst>
+                                </p:cTn>
+                              </p:par>
+                            </p:childTnLst>
+                          </p:cTn>
+                        </p:par>
+                      </p:childTnLst>
+                    </p:cTn>
+                  </p:par>
+                  <p:par>
+                    <p:cTn id="11" fill="hold">
+                      <p:stCondLst>
+                        <p:cond delay="indefinite"/>
+                      </p:stCondLst>
+                      <p:childTnLst>
+                        <p:par>
+                          <p:cTn id="12" fill="hold">
+                            <p:stCondLst>
+                              <p:cond delay="0"/>
+                            </p:stCondLst>
+                            <p:childTnLst>
+                              <p:par>
+                                <p:cTn id="13" presetID="1" presetClass="entr" presetSubtype="0" fill="hold" grpId="0" nodeType="clickEffect">
+                                  <p:stCondLst>
+                                    <p:cond delay="0"/>
+                                  </p:stCondLst>
+                                  <p:childTnLst>
+                                    <p:set>
+                                      <p:cBhvr>
+                                        <p:cTn id="14" dur="1" fill="hold">
+                                          <p:stCondLst>
+                                            <p:cond delay="0"/>
+                                          </p:stCondLst>
+                                        </p:cTn>
+                                        <p:tgtEl>
+                                          <p:spTgt spid="3">
+                                            <p:txEl>
+                                              <p:pRg st="2" end="2"/>
+                                            </p:txEl>
+                                          </p:spTgt>
+                                        </p:tgtEl>
+                                        <p:attrNameLst>
+                                          <p:attrName>style.visibility</p:attrName>
+                                        </p:attrNameLst>
+                                      </p:cBhvr>
+                                      <p:to>
+                                        <p:strVal val="visible"/>
+                                      </p:to>
+                                    </p:set>
+                                  </p:childTnLst>
+                                </p:cTn>
+                              </p:par>
+                            </p:childTnLst>
+                          </p:cTn>
+                        </p:par>
+                      </p:childTnLst>
+                    </p:cTn>
+                  </p:par>
+                  <p:par>
+                    <p:cTn id="15" fill="hold">
+                      <p:stCondLst>
+                        <p:cond delay="indefinite"/>
+                      </p:stCondLst>
+                      <p:childTnLst>
+                        <p:par>
+                          <p:cTn id="16" fill="hold">
+                            <p:stCondLst>
+                              <p:cond delay="0"/>
+                            </p:stCondLst>
+                            <p:childTnLst>
+                              <p:par>
+                                <p:cTn id="17" presetID="1" presetClass="entr" presetSubtype="0" fill="hold" grpId="0" nodeType="clickEffect">
+                                  <p:stCondLst>
+                                    <p:cond delay="0"/>
+                                  </p:stCondLst>
+                                  <p:childTnLst>
+                                    <p:set>
+                                      <p:cBhvr>
+                                        <p:cTn id="18" dur="1" fill="hold">
+                                          <p:stCondLst>
+                                            <p:cond delay="0"/>
+                                          </p:stCondLst>
+                                        </p:cTn>
+                                        <p:tgtEl>
+                                          <p:spTgt spid="3">
+                                            <p:txEl>
+                                              <p:pRg st="3" end="3"/>
+                                            </p:txEl>
+                                          </p:spTgt>
+                                        </p:tgtEl>
+                                        <p:attrNameLst>
+                                          <p:attrName>style.visibility</p:attrName>
+                                        </p:attrNameLst>
+                                      </p:cBhvr>
+                                      <p:to>
+                                        <p:strVal val="visible"/>
+                                      </p:to>
+                                    </p:set>
+                                  </p:childTnLst>
+                                </p:cTn>
+                              </p:par>
+                            </p:childTnLst>
+                          </p:cTn>
+                        </p:par>
+                      </p:childTnLst>
+                    </p:cTn>
+                  </p:par>
+                  <p:par>
+                    <p:cTn id="19" fill="hold">
+                      <p:stCondLst>
+                        <p:cond delay="indefinite"/>
+                      </p:stCondLst>
+                      <p:childTnLst>
+                        <p:par>
+                          <p:cTn id="20" fill="hold">
+                            <p:stCondLst>
+                              <p:cond delay="0"/>
+                            </p:stCondLst>
+                            <p:childTnLst>
+                              <p:par>
+                                <p:cTn id="21" presetID="1" presetClass="entr" presetSubtype="0" fill="hold" grpId="0" nodeType="clickEffect">
+                                  <p:stCondLst>
+                                    <p:cond delay="0"/>
+                                  </p:stCondLst>
+                                  <p:childTnLst>
+                                    <p:set>
+                                      <p:cBhvr>
+                                        <p:cTn id="22" dur="1" fill="hold">
+                                          <p:stCondLst>
+                                            <p:cond delay="0"/>
+                                          </p:stCondLst>
+                                        </p:cTn>
+                                        <p:tgtEl>
+                                          <p:spTgt spid="3">
+                                            <p:txEl>
+                                              <p:pRg st="4" end="4"/>
+                                            </p:txEl>
+                                          </p:spTgt>
+                                        </p:tgtEl>
+                                        <p:attrNameLst>
+                                          <p:attrName>style.visibility</p:attrName>
+                                        </p:attrNameLst>
+                                      </p:cBhvr>
+                                      <p:to>
+                                        <p:strVal val="visible"/>
+                                      </p:to>
+                                    </p:set>
+                                  </p:childTnLst>
+                                </p:cTn>
+                              </p:par>
+                            </p:childTnLst>
+                          </p:cTn>
+                        </p:par>
+                      </p:childTnLst>
+                    </p:cTn>
+                  </p:par>
+                  <p:par>
+                    <p:cTn id="23" fill="hold">
+                      <p:stCondLst>
+                        <p:cond delay="indefinite"/>
+                      </p:stCondLst>
+                      <p:childTnLst>
+                        <p:par>
+                          <p:cTn id="24" fill="hold">
+                            <p:stCondLst>
+                              <p:cond delay="0"/>
+                            </p:stCondLst>
+                            <p:childTnLst>
+                              <p:par>
+                                <p:cTn id="25" presetID="1" presetClass="entr" presetSubtype="0" fill="hold" grpId="0" nodeType="clickEffect">
+                                  <p:stCondLst>
+                                    <p:cond delay="0"/>
+                                  </p:stCondLst>
+                                  <p:childTnLst>
+                                    <p:set>
+                                      <p:cBhvr>
+                                        <p:cTn id="26" dur="1" fill="hold">
+                                          <p:stCondLst>
+                                            <p:cond delay="0"/>
+                                          </p:stCondLst>
+                                        </p:cTn>
+                                        <p:tgtEl>
+                                          <p:spTgt spid="3">
+                                            <p:txEl>
+                                              <p:pRg st="5" end="5"/>
+                                            </p:txEl>
+                                          </p:spTgt>
+                                        </p:tgtEl>
+                                        <p:attrNameLst>
+                                          <p:attrName>style.visibility</p:attrName>
+                                        </p:attrNameLst>
+                                      </p:cBhvr>
+                                      <p:to>
+                                        <p:strVal val="visible"/>
+                                      </p:to>
+                                    </p:set>
+                                  </p:childTnLst>
+                                </p:cTn>
+                              </p:par>
+                            </p:childTnLst>
+                          </p:cTn>
+                        </p:par>
+                      </p:childTnLst>
+                    </p:cTn>
+                  </p:par>
+                </p:childTnLst>
+              </p:cTn>
+              <p:prevCondLst>
+                <p:cond evt="onPrev" delay="0">
+                  <p:tgtEl>
+                    <p:sldTgt/>
+                  </p:tgtEl>
+                </p:cond>
+              </p:prevCondLst>
+              <p:nextCondLst>
+                <p:cond evt="onNext" delay="0">
+                  <p:tgtEl>
+                    <p:sldTgt/>
+                  </p:tgtEl>
+                </p:cond>
+              </p:nextCondLst>
+            </p:seq>
+          </p:childTnLst>
+        </p:cTn>
+      </p:par>
+    </p:tnLst>
+    <p:bldLst>
+      <p:bldP spid="3" grpId="0" build="p"/>
+    </p:bldLst>
+  </p:timing>
+</p:sld>
+</file>
+
+<file path=ppt/slides/slide13.xml><?xml version="1.0" encoding="utf-8"?>
+<p:sld xmlns:a="http://schemas.openxmlformats.org/drawingml/2006/main" xmlns:r="http://schemas.openxmlformats.org/officeDocument/2006/relationships" xmlns:p="http://schemas.openxmlformats.org/presentationml/2006/main">
+  <p:cSld>
+    <p:spTree>
+      <p:nvGrpSpPr>
+        <p:cNvPr id="1" name=""/>
+        <p:cNvGrpSpPr/>
+        <p:nvPr/>
+      </p:nvGrpSpPr>
+      <p:grpSpPr>
+        <a:xfrm>
+          <a:off x="0" y="0"/>
+          <a:ext cx="0" cy="0"/>
+          <a:chOff x="0" y="0"/>
+          <a:chExt cx="0" cy="0"/>
+        </a:xfrm>
+      </p:grpSpPr>
+      <p:sp>
+        <p:nvSpPr>
+          <p:cNvPr id="2" name="Title 1">
+            <a:extLst>
+              <a:ext uri="{FF2B5EF4-FFF2-40B4-BE49-F238E27FC236}">
                 <a16:creationId xmlns:a16="http://schemas.microsoft.com/office/drawing/2014/main" id="{FBAD54A4-1AC6-4EBE-9262-5E5B05B56E2C}"/>
               </a:ext>
             </a:extLst>
@@ -7264,12 +8494,77 @@
             <p:ph idx="1"/>
           </p:nvPr>
         </p:nvSpPr>
-        <p:spPr/>
+        <p:spPr>
+          <a:xfrm>
+            <a:off x="152400" y="1371600"/>
+            <a:ext cx="8839200" cy="5014912"/>
+          </a:xfrm>
+        </p:spPr>
         <p:txBody>
           <a:bodyPr/>
           <a:lstStyle/>
           <a:p>
-            <a:endParaRPr lang="en-US"/>
+            <a:pPr marL="0" indent="0">
+              <a:buNone/>
+            </a:pPr>
+            <a:r>
+              <a:rPr lang="en-US" dirty="0"/>
+              <a:t>Finite state machine:</a:t>
+            </a:r>
+          </a:p>
+          <a:p>
+            <a:r>
+              <a:rPr lang="en-US" dirty="0"/>
+              <a:t>States</a:t>
+            </a:r>
+          </a:p>
+          <a:p>
+            <a:r>
+              <a:rPr lang="en-US" dirty="0"/>
+              <a:t>Input and state-dependent transitions between states</a:t>
+            </a:r>
+          </a:p>
+          <a:p>
+            <a:r>
+              <a:rPr lang="en-US" dirty="0"/>
+              <a:t>Outputs in each state</a:t>
+            </a:r>
+          </a:p>
+          <a:p>
+            <a:pPr lvl="1"/>
+            <a:r>
+              <a:rPr lang="en-US" dirty="0"/>
+              <a:t>State-dependent output (no input dependence): Moore</a:t>
+            </a:r>
+          </a:p>
+          <a:p>
+            <a:pPr lvl="2"/>
+            <a:r>
+              <a:rPr lang="en-US" dirty="0"/>
+              <a:t>Cleaner timing… </a:t>
+            </a:r>
+            <a:r>
+              <a:rPr lang="en-US" dirty="0">
+                <a:solidFill>
+                  <a:srgbClr val="EA3F26"/>
+                </a:solidFill>
+              </a:rPr>
+              <a:t>why?</a:t>
+            </a:r>
+          </a:p>
+          <a:p>
+            <a:pPr lvl="2"/>
+            <a:r>
+              <a:rPr lang="en-US" dirty="0"/>
+              <a:t>Signals change only at clock cycles, not in between</a:t>
+            </a:r>
+          </a:p>
+          <a:p>
+            <a:pPr lvl="1"/>
+            <a:r>
+              <a:rPr lang="en-US" dirty="0"/>
+              <a:t>State + input dependent output: Mealy</a:t>
+            </a:r>
           </a:p>
         </p:txBody>
       </p:sp>
@@ -7333,7 +8628,7 @@
               <a:pPr>
                 <a:defRPr/>
               </a:pPr>
-              <a:t>11</a:t>
+              <a:t>13</a:t>
             </a:fld>
             <a:endParaRPr lang="en-US" altLang="en-US"/>
           </a:p>
@@ -7349,6 +8644,3232 @@
   <p:clrMapOvr>
     <a:masterClrMapping/>
   </p:clrMapOvr>
+  <p:timing>
+    <p:tnLst>
+      <p:par>
+        <p:cTn id="1" dur="indefinite" restart="never" nodeType="tmRoot">
+          <p:childTnLst>
+            <p:seq concurrent="1" nextAc="seek">
+              <p:cTn id="2" dur="indefinite" nodeType="mainSeq">
+                <p:childTnLst>
+                  <p:par>
+                    <p:cTn id="3" fill="hold">
+                      <p:stCondLst>
+                        <p:cond delay="indefinite"/>
+                      </p:stCondLst>
+                      <p:childTnLst>
+                        <p:par>
+                          <p:cTn id="4" fill="hold">
+                            <p:stCondLst>
+                              <p:cond delay="0"/>
+                            </p:stCondLst>
+                            <p:childTnLst>
+                              <p:par>
+                                <p:cTn id="5" presetID="1" presetClass="entr" presetSubtype="0" fill="hold" grpId="0" nodeType="clickEffect">
+                                  <p:stCondLst>
+                                    <p:cond delay="0"/>
+                                  </p:stCondLst>
+                                  <p:childTnLst>
+                                    <p:set>
+                                      <p:cBhvr>
+                                        <p:cTn id="6" dur="1" fill="hold">
+                                          <p:stCondLst>
+                                            <p:cond delay="0"/>
+                                          </p:stCondLst>
+                                        </p:cTn>
+                                        <p:tgtEl>
+                                          <p:spTgt spid="3">
+                                            <p:txEl>
+                                              <p:pRg st="0" end="0"/>
+                                            </p:txEl>
+                                          </p:spTgt>
+                                        </p:tgtEl>
+                                        <p:attrNameLst>
+                                          <p:attrName>style.visibility</p:attrName>
+                                        </p:attrNameLst>
+                                      </p:cBhvr>
+                                      <p:to>
+                                        <p:strVal val="visible"/>
+                                      </p:to>
+                                    </p:set>
+                                  </p:childTnLst>
+                                </p:cTn>
+                              </p:par>
+                            </p:childTnLst>
+                          </p:cTn>
+                        </p:par>
+                      </p:childTnLst>
+                    </p:cTn>
+                  </p:par>
+                  <p:par>
+                    <p:cTn id="7" fill="hold">
+                      <p:stCondLst>
+                        <p:cond delay="indefinite"/>
+                      </p:stCondLst>
+                      <p:childTnLst>
+                        <p:par>
+                          <p:cTn id="8" fill="hold">
+                            <p:stCondLst>
+                              <p:cond delay="0"/>
+                            </p:stCondLst>
+                            <p:childTnLst>
+                              <p:par>
+                                <p:cTn id="9" presetID="1" presetClass="entr" presetSubtype="0" fill="hold" grpId="0" nodeType="clickEffect">
+                                  <p:stCondLst>
+                                    <p:cond delay="0"/>
+                                  </p:stCondLst>
+                                  <p:childTnLst>
+                                    <p:set>
+                                      <p:cBhvr>
+                                        <p:cTn id="10" dur="1" fill="hold">
+                                          <p:stCondLst>
+                                            <p:cond delay="0"/>
+                                          </p:stCondLst>
+                                        </p:cTn>
+                                        <p:tgtEl>
+                                          <p:spTgt spid="3">
+                                            <p:txEl>
+                                              <p:pRg st="1" end="1"/>
+                                            </p:txEl>
+                                          </p:spTgt>
+                                        </p:tgtEl>
+                                        <p:attrNameLst>
+                                          <p:attrName>style.visibility</p:attrName>
+                                        </p:attrNameLst>
+                                      </p:cBhvr>
+                                      <p:to>
+                                        <p:strVal val="visible"/>
+                                      </p:to>
+                                    </p:set>
+                                  </p:childTnLst>
+                                </p:cTn>
+                              </p:par>
+                            </p:childTnLst>
+                          </p:cTn>
+                        </p:par>
+                      </p:childTnLst>
+                    </p:cTn>
+                  </p:par>
+                  <p:par>
+                    <p:cTn id="11" fill="hold">
+                      <p:stCondLst>
+                        <p:cond delay="indefinite"/>
+                      </p:stCondLst>
+                      <p:childTnLst>
+                        <p:par>
+                          <p:cTn id="12" fill="hold">
+                            <p:stCondLst>
+                              <p:cond delay="0"/>
+                            </p:stCondLst>
+                            <p:childTnLst>
+                              <p:par>
+                                <p:cTn id="13" presetID="1" presetClass="entr" presetSubtype="0" fill="hold" grpId="0" nodeType="clickEffect">
+                                  <p:stCondLst>
+                                    <p:cond delay="0"/>
+                                  </p:stCondLst>
+                                  <p:childTnLst>
+                                    <p:set>
+                                      <p:cBhvr>
+                                        <p:cTn id="14" dur="1" fill="hold">
+                                          <p:stCondLst>
+                                            <p:cond delay="0"/>
+                                          </p:stCondLst>
+                                        </p:cTn>
+                                        <p:tgtEl>
+                                          <p:spTgt spid="3">
+                                            <p:txEl>
+                                              <p:pRg st="2" end="2"/>
+                                            </p:txEl>
+                                          </p:spTgt>
+                                        </p:tgtEl>
+                                        <p:attrNameLst>
+                                          <p:attrName>style.visibility</p:attrName>
+                                        </p:attrNameLst>
+                                      </p:cBhvr>
+                                      <p:to>
+                                        <p:strVal val="visible"/>
+                                      </p:to>
+                                    </p:set>
+                                  </p:childTnLst>
+                                </p:cTn>
+                              </p:par>
+                            </p:childTnLst>
+                          </p:cTn>
+                        </p:par>
+                      </p:childTnLst>
+                    </p:cTn>
+                  </p:par>
+                  <p:par>
+                    <p:cTn id="15" fill="hold">
+                      <p:stCondLst>
+                        <p:cond delay="indefinite"/>
+                      </p:stCondLst>
+                      <p:childTnLst>
+                        <p:par>
+                          <p:cTn id="16" fill="hold">
+                            <p:stCondLst>
+                              <p:cond delay="0"/>
+                            </p:stCondLst>
+                            <p:childTnLst>
+                              <p:par>
+                                <p:cTn id="17" presetID="1" presetClass="entr" presetSubtype="0" fill="hold" grpId="0" nodeType="clickEffect">
+                                  <p:stCondLst>
+                                    <p:cond delay="0"/>
+                                  </p:stCondLst>
+                                  <p:childTnLst>
+                                    <p:set>
+                                      <p:cBhvr>
+                                        <p:cTn id="18" dur="1" fill="hold">
+                                          <p:stCondLst>
+                                            <p:cond delay="0"/>
+                                          </p:stCondLst>
+                                        </p:cTn>
+                                        <p:tgtEl>
+                                          <p:spTgt spid="3">
+                                            <p:txEl>
+                                              <p:pRg st="3" end="3"/>
+                                            </p:txEl>
+                                          </p:spTgt>
+                                        </p:tgtEl>
+                                        <p:attrNameLst>
+                                          <p:attrName>style.visibility</p:attrName>
+                                        </p:attrNameLst>
+                                      </p:cBhvr>
+                                      <p:to>
+                                        <p:strVal val="visible"/>
+                                      </p:to>
+                                    </p:set>
+                                  </p:childTnLst>
+                                </p:cTn>
+                              </p:par>
+                            </p:childTnLst>
+                          </p:cTn>
+                        </p:par>
+                      </p:childTnLst>
+                    </p:cTn>
+                  </p:par>
+                  <p:par>
+                    <p:cTn id="19" fill="hold">
+                      <p:stCondLst>
+                        <p:cond delay="indefinite"/>
+                      </p:stCondLst>
+                      <p:childTnLst>
+                        <p:par>
+                          <p:cTn id="20" fill="hold">
+                            <p:stCondLst>
+                              <p:cond delay="0"/>
+                            </p:stCondLst>
+                            <p:childTnLst>
+                              <p:par>
+                                <p:cTn id="21" presetID="1" presetClass="entr" presetSubtype="0" fill="hold" grpId="0" nodeType="clickEffect">
+                                  <p:stCondLst>
+                                    <p:cond delay="0"/>
+                                  </p:stCondLst>
+                                  <p:childTnLst>
+                                    <p:set>
+                                      <p:cBhvr>
+                                        <p:cTn id="22" dur="1" fill="hold">
+                                          <p:stCondLst>
+                                            <p:cond delay="0"/>
+                                          </p:stCondLst>
+                                        </p:cTn>
+                                        <p:tgtEl>
+                                          <p:spTgt spid="3">
+                                            <p:txEl>
+                                              <p:pRg st="4" end="4"/>
+                                            </p:txEl>
+                                          </p:spTgt>
+                                        </p:tgtEl>
+                                        <p:attrNameLst>
+                                          <p:attrName>style.visibility</p:attrName>
+                                        </p:attrNameLst>
+                                      </p:cBhvr>
+                                      <p:to>
+                                        <p:strVal val="visible"/>
+                                      </p:to>
+                                    </p:set>
+                                  </p:childTnLst>
+                                </p:cTn>
+                              </p:par>
+                            </p:childTnLst>
+                          </p:cTn>
+                        </p:par>
+                      </p:childTnLst>
+                    </p:cTn>
+                  </p:par>
+                  <p:par>
+                    <p:cTn id="23" fill="hold">
+                      <p:stCondLst>
+                        <p:cond delay="indefinite"/>
+                      </p:stCondLst>
+                      <p:childTnLst>
+                        <p:par>
+                          <p:cTn id="24" fill="hold">
+                            <p:stCondLst>
+                              <p:cond delay="0"/>
+                            </p:stCondLst>
+                            <p:childTnLst>
+                              <p:par>
+                                <p:cTn id="25" presetID="1" presetClass="entr" presetSubtype="0" fill="hold" grpId="0" nodeType="clickEffect">
+                                  <p:stCondLst>
+                                    <p:cond delay="0"/>
+                                  </p:stCondLst>
+                                  <p:childTnLst>
+                                    <p:set>
+                                      <p:cBhvr>
+                                        <p:cTn id="26" dur="1" fill="hold">
+                                          <p:stCondLst>
+                                            <p:cond delay="0"/>
+                                          </p:stCondLst>
+                                        </p:cTn>
+                                        <p:tgtEl>
+                                          <p:spTgt spid="3">
+                                            <p:txEl>
+                                              <p:pRg st="5" end="5"/>
+                                            </p:txEl>
+                                          </p:spTgt>
+                                        </p:tgtEl>
+                                        <p:attrNameLst>
+                                          <p:attrName>style.visibility</p:attrName>
+                                        </p:attrNameLst>
+                                      </p:cBhvr>
+                                      <p:to>
+                                        <p:strVal val="visible"/>
+                                      </p:to>
+                                    </p:set>
+                                  </p:childTnLst>
+                                </p:cTn>
+                              </p:par>
+                            </p:childTnLst>
+                          </p:cTn>
+                        </p:par>
+                      </p:childTnLst>
+                    </p:cTn>
+                  </p:par>
+                  <p:par>
+                    <p:cTn id="27" fill="hold">
+                      <p:stCondLst>
+                        <p:cond delay="indefinite"/>
+                      </p:stCondLst>
+                      <p:childTnLst>
+                        <p:par>
+                          <p:cTn id="28" fill="hold">
+                            <p:stCondLst>
+                              <p:cond delay="0"/>
+                            </p:stCondLst>
+                            <p:childTnLst>
+                              <p:par>
+                                <p:cTn id="29" presetID="1" presetClass="entr" presetSubtype="0" fill="hold" grpId="0" nodeType="clickEffect">
+                                  <p:stCondLst>
+                                    <p:cond delay="0"/>
+                                  </p:stCondLst>
+                                  <p:childTnLst>
+                                    <p:set>
+                                      <p:cBhvr>
+                                        <p:cTn id="30" dur="1" fill="hold">
+                                          <p:stCondLst>
+                                            <p:cond delay="0"/>
+                                          </p:stCondLst>
+                                        </p:cTn>
+                                        <p:tgtEl>
+                                          <p:spTgt spid="3">
+                                            <p:txEl>
+                                              <p:pRg st="6" end="6"/>
+                                            </p:txEl>
+                                          </p:spTgt>
+                                        </p:tgtEl>
+                                        <p:attrNameLst>
+                                          <p:attrName>style.visibility</p:attrName>
+                                        </p:attrNameLst>
+                                      </p:cBhvr>
+                                      <p:to>
+                                        <p:strVal val="visible"/>
+                                      </p:to>
+                                    </p:set>
+                                  </p:childTnLst>
+                                </p:cTn>
+                              </p:par>
+                            </p:childTnLst>
+                          </p:cTn>
+                        </p:par>
+                      </p:childTnLst>
+                    </p:cTn>
+                  </p:par>
+                  <p:par>
+                    <p:cTn id="31" fill="hold">
+                      <p:stCondLst>
+                        <p:cond delay="indefinite"/>
+                      </p:stCondLst>
+                      <p:childTnLst>
+                        <p:par>
+                          <p:cTn id="32" fill="hold">
+                            <p:stCondLst>
+                              <p:cond delay="0"/>
+                            </p:stCondLst>
+                            <p:childTnLst>
+                              <p:par>
+                                <p:cTn id="33" presetID="1" presetClass="entr" presetSubtype="0" fill="hold" grpId="0" nodeType="clickEffect">
+                                  <p:stCondLst>
+                                    <p:cond delay="0"/>
+                                  </p:stCondLst>
+                                  <p:childTnLst>
+                                    <p:set>
+                                      <p:cBhvr>
+                                        <p:cTn id="34" dur="1" fill="hold">
+                                          <p:stCondLst>
+                                            <p:cond delay="0"/>
+                                          </p:stCondLst>
+                                        </p:cTn>
+                                        <p:tgtEl>
+                                          <p:spTgt spid="3">
+                                            <p:txEl>
+                                              <p:pRg st="7" end="7"/>
+                                            </p:txEl>
+                                          </p:spTgt>
+                                        </p:tgtEl>
+                                        <p:attrNameLst>
+                                          <p:attrName>style.visibility</p:attrName>
+                                        </p:attrNameLst>
+                                      </p:cBhvr>
+                                      <p:to>
+                                        <p:strVal val="visible"/>
+                                      </p:to>
+                                    </p:set>
+                                  </p:childTnLst>
+                                </p:cTn>
+                              </p:par>
+                            </p:childTnLst>
+                          </p:cTn>
+                        </p:par>
+                      </p:childTnLst>
+                    </p:cTn>
+                  </p:par>
+                </p:childTnLst>
+              </p:cTn>
+              <p:prevCondLst>
+                <p:cond evt="onPrev" delay="0">
+                  <p:tgtEl>
+                    <p:sldTgt/>
+                  </p:tgtEl>
+                </p:cond>
+              </p:prevCondLst>
+              <p:nextCondLst>
+                <p:cond evt="onNext" delay="0">
+                  <p:tgtEl>
+                    <p:sldTgt/>
+                  </p:tgtEl>
+                </p:cond>
+              </p:nextCondLst>
+            </p:seq>
+          </p:childTnLst>
+        </p:cTn>
+      </p:par>
+    </p:tnLst>
+    <p:bldLst>
+      <p:bldP spid="3" grpId="0" build="p"/>
+    </p:bldLst>
+  </p:timing>
+</p:sld>
+</file>
+
+<file path=ppt/slides/slide14.xml><?xml version="1.0" encoding="utf-8"?>
+<p:sld xmlns:a="http://schemas.openxmlformats.org/drawingml/2006/main" xmlns:r="http://schemas.openxmlformats.org/officeDocument/2006/relationships" xmlns:p="http://schemas.openxmlformats.org/presentationml/2006/main">
+  <p:cSld>
+    <p:spTree>
+      <p:nvGrpSpPr>
+        <p:cNvPr id="1" name=""/>
+        <p:cNvGrpSpPr/>
+        <p:nvPr/>
+      </p:nvGrpSpPr>
+      <p:grpSpPr>
+        <a:xfrm>
+          <a:off x="0" y="0"/>
+          <a:ext cx="0" cy="0"/>
+          <a:chOff x="0" y="0"/>
+          <a:chExt cx="0" cy="0"/>
+        </a:xfrm>
+      </p:grpSpPr>
+      <p:sp>
+        <p:nvSpPr>
+          <p:cNvPr id="2" name="Title 1">
+            <a:extLst>
+              <a:ext uri="{FF2B5EF4-FFF2-40B4-BE49-F238E27FC236}">
+                <a16:creationId xmlns:a16="http://schemas.microsoft.com/office/drawing/2014/main" id="{B79B4FCE-CCF0-4CE3-9324-09720141DD3E}"/>
+              </a:ext>
+            </a:extLst>
+          </p:cNvPr>
+          <p:cNvSpPr>
+            <a:spLocks noGrp="1"/>
+          </p:cNvSpPr>
+          <p:nvPr>
+            <p:ph type="title"/>
+          </p:nvPr>
+        </p:nvSpPr>
+        <p:spPr/>
+        <p:txBody>
+          <a:bodyPr/>
+          <a:lstStyle/>
+          <a:p>
+            <a:r>
+              <a:rPr lang="en-US" dirty="0"/>
+              <a:t>What states do we need in our RV32I multicycle processor?</a:t>
+            </a:r>
+          </a:p>
+        </p:txBody>
+      </p:sp>
+      <p:pic>
+        <p:nvPicPr>
+          <p:cNvPr id="17" name="Content Placeholder 16">
+            <a:extLst>
+              <a:ext uri="{FF2B5EF4-FFF2-40B4-BE49-F238E27FC236}">
+                <a16:creationId xmlns:a16="http://schemas.microsoft.com/office/drawing/2014/main" id="{A9C76117-F21F-4DE3-AB48-22C67ED65D25}"/>
+              </a:ext>
+            </a:extLst>
+          </p:cNvPr>
+          <p:cNvPicPr>
+            <a:picLocks noGrp="1" noChangeAspect="1"/>
+          </p:cNvPicPr>
+          <p:nvPr>
+            <p:ph idx="1"/>
+          </p:nvPr>
+        </p:nvPicPr>
+        <p:blipFill>
+          <a:blip r:embed="rId2"/>
+          <a:stretch>
+            <a:fillRect/>
+          </a:stretch>
+        </p:blipFill>
+        <p:spPr>
+          <a:xfrm>
+            <a:off x="381000" y="1784838"/>
+            <a:ext cx="8640381" cy="4677428"/>
+          </a:xfrm>
+        </p:spPr>
+      </p:pic>
+      <p:sp>
+        <p:nvSpPr>
+          <p:cNvPr id="4" name="Date Placeholder 3">
+            <a:extLst>
+              <a:ext uri="{FF2B5EF4-FFF2-40B4-BE49-F238E27FC236}">
+                <a16:creationId xmlns:a16="http://schemas.microsoft.com/office/drawing/2014/main" id="{7C42B3D2-BF7A-4AD1-B9EF-282296887EC8}"/>
+              </a:ext>
+            </a:extLst>
+          </p:cNvPr>
+          <p:cNvSpPr>
+            <a:spLocks noGrp="1"/>
+          </p:cNvSpPr>
+          <p:nvPr>
+            <p:ph type="dt" sz="half" idx="10"/>
+          </p:nvPr>
+        </p:nvSpPr>
+        <p:spPr/>
+        <p:txBody>
+          <a:bodyPr/>
+          <a:lstStyle/>
+          <a:p>
+            <a:pPr>
+              <a:defRPr/>
+            </a:pPr>
+            <a:r>
+              <a:rPr lang="en-US"/>
+              <a:t>21/12/2020</a:t>
+            </a:r>
+          </a:p>
+        </p:txBody>
+      </p:sp>
+      <p:sp>
+        <p:nvSpPr>
+          <p:cNvPr id="5" name="Slide Number Placeholder 4">
+            <a:extLst>
+              <a:ext uri="{FF2B5EF4-FFF2-40B4-BE49-F238E27FC236}">
+                <a16:creationId xmlns:a16="http://schemas.microsoft.com/office/drawing/2014/main" id="{BD89A578-B8BD-45E4-AF4F-701CFB70D131}"/>
+              </a:ext>
+            </a:extLst>
+          </p:cNvPr>
+          <p:cNvSpPr>
+            <a:spLocks noGrp="1"/>
+          </p:cNvSpPr>
+          <p:nvPr>
+            <p:ph type="sldNum" sz="quarter" idx="12"/>
+          </p:nvPr>
+        </p:nvSpPr>
+        <p:spPr/>
+        <p:txBody>
+          <a:bodyPr/>
+          <a:lstStyle/>
+          <a:p>
+            <a:pPr>
+              <a:defRPr/>
+            </a:pPr>
+            <a:fld id="{CA887A73-1AE0-46F8-856A-18EA1CF30A1B}" type="slidenum">
+              <a:rPr lang="en-US" altLang="en-US" smtClean="0"/>
+              <a:pPr>
+                <a:defRPr/>
+              </a:pPr>
+              <a:t>14</a:t>
+            </a:fld>
+            <a:endParaRPr lang="en-US" altLang="en-US"/>
+          </a:p>
+        </p:txBody>
+      </p:sp>
+      <p:pic>
+        <p:nvPicPr>
+          <p:cNvPr id="13" name="Picture 12">
+            <a:extLst>
+              <a:ext uri="{FF2B5EF4-FFF2-40B4-BE49-F238E27FC236}">
+                <a16:creationId xmlns:a16="http://schemas.microsoft.com/office/drawing/2014/main" id="{E7DEE563-0C6A-4999-B67D-47D49AE41666}"/>
+              </a:ext>
+            </a:extLst>
+          </p:cNvPr>
+          <p:cNvPicPr>
+            <a:picLocks noChangeAspect="1"/>
+          </p:cNvPicPr>
+          <p:nvPr/>
+        </p:nvPicPr>
+        <p:blipFill>
+          <a:blip r:embed="rId3"/>
+          <a:stretch>
+            <a:fillRect/>
+          </a:stretch>
+        </p:blipFill>
+        <p:spPr>
+          <a:xfrm>
+            <a:off x="9525" y="1143000"/>
+            <a:ext cx="4572377" cy="1302727"/>
+          </a:xfrm>
+          <a:prstGeom prst="rect">
+            <a:avLst/>
+          </a:prstGeom>
+        </p:spPr>
+      </p:pic>
+    </p:spTree>
+    <p:extLst>
+      <p:ext uri="{BB962C8B-B14F-4D97-AF65-F5344CB8AC3E}">
+        <p14:creationId xmlns:p14="http://schemas.microsoft.com/office/powerpoint/2010/main" val="3879532611"/>
+      </p:ext>
+    </p:extLst>
+  </p:cSld>
+  <p:clrMapOvr>
+    <a:masterClrMapping/>
+  </p:clrMapOvr>
+  <p:timing>
+    <p:tnLst>
+      <p:par>
+        <p:cTn id="1" dur="indefinite" restart="never" nodeType="tmRoot">
+          <p:childTnLst>
+            <p:seq concurrent="1" nextAc="seek">
+              <p:cTn id="2" dur="indefinite" nodeType="mainSeq">
+                <p:childTnLst>
+                  <p:par>
+                    <p:cTn id="3" fill="hold">
+                      <p:stCondLst>
+                        <p:cond delay="indefinite"/>
+                      </p:stCondLst>
+                      <p:childTnLst>
+                        <p:par>
+                          <p:cTn id="4" fill="hold">
+                            <p:stCondLst>
+                              <p:cond delay="0"/>
+                            </p:stCondLst>
+                            <p:childTnLst>
+                              <p:par>
+                                <p:cTn id="5" presetID="1" presetClass="entr" presetSubtype="0" fill="hold" nodeType="clickEffect">
+                                  <p:stCondLst>
+                                    <p:cond delay="0"/>
+                                  </p:stCondLst>
+                                  <p:childTnLst>
+                                    <p:set>
+                                      <p:cBhvr>
+                                        <p:cTn id="6" dur="1" fill="hold">
+                                          <p:stCondLst>
+                                            <p:cond delay="0"/>
+                                          </p:stCondLst>
+                                        </p:cTn>
+                                        <p:tgtEl>
+                                          <p:spTgt spid="17"/>
+                                        </p:tgtEl>
+                                        <p:attrNameLst>
+                                          <p:attrName>style.visibility</p:attrName>
+                                        </p:attrNameLst>
+                                      </p:cBhvr>
+                                      <p:to>
+                                        <p:strVal val="visible"/>
+                                      </p:to>
+                                    </p:set>
+                                  </p:childTnLst>
+                                </p:cTn>
+                              </p:par>
+                            </p:childTnLst>
+                          </p:cTn>
+                        </p:par>
+                      </p:childTnLst>
+                    </p:cTn>
+                  </p:par>
+                </p:childTnLst>
+              </p:cTn>
+              <p:prevCondLst>
+                <p:cond evt="onPrev" delay="0">
+                  <p:tgtEl>
+                    <p:sldTgt/>
+                  </p:tgtEl>
+                </p:cond>
+              </p:prevCondLst>
+              <p:nextCondLst>
+                <p:cond evt="onNext" delay="0">
+                  <p:tgtEl>
+                    <p:sldTgt/>
+                  </p:tgtEl>
+                </p:cond>
+              </p:nextCondLst>
+            </p:seq>
+          </p:childTnLst>
+        </p:cTn>
+      </p:par>
+    </p:tnLst>
+  </p:timing>
+</p:sld>
+</file>
+
+<file path=ppt/slides/slide15.xml><?xml version="1.0" encoding="utf-8"?>
+<p:sld xmlns:a="http://schemas.openxmlformats.org/drawingml/2006/main" xmlns:r="http://schemas.openxmlformats.org/officeDocument/2006/relationships" xmlns:p="http://schemas.openxmlformats.org/presentationml/2006/main">
+  <p:cSld>
+    <p:spTree>
+      <p:nvGrpSpPr>
+        <p:cNvPr id="1" name=""/>
+        <p:cNvGrpSpPr/>
+        <p:nvPr/>
+      </p:nvGrpSpPr>
+      <p:grpSpPr>
+        <a:xfrm>
+          <a:off x="0" y="0"/>
+          <a:ext cx="0" cy="0"/>
+          <a:chOff x="0" y="0"/>
+          <a:chExt cx="0" cy="0"/>
+        </a:xfrm>
+      </p:grpSpPr>
+      <p:sp>
+        <p:nvSpPr>
+          <p:cNvPr id="2" name="Title 1">
+            <a:extLst>
+              <a:ext uri="{FF2B5EF4-FFF2-40B4-BE49-F238E27FC236}">
+                <a16:creationId xmlns:a16="http://schemas.microsoft.com/office/drawing/2014/main" id="{C4D58B70-2B5D-4975-AFE8-F26C63518321}"/>
+              </a:ext>
+            </a:extLst>
+          </p:cNvPr>
+          <p:cNvSpPr>
+            <a:spLocks noGrp="1"/>
+          </p:cNvSpPr>
+          <p:nvPr>
+            <p:ph type="title"/>
+          </p:nvPr>
+        </p:nvSpPr>
+        <p:spPr/>
+        <p:txBody>
+          <a:bodyPr/>
+          <a:lstStyle/>
+          <a:p>
+            <a:r>
+              <a:rPr lang="en-US" dirty="0"/>
+              <a:t>Implementing control</a:t>
+            </a:r>
+          </a:p>
+        </p:txBody>
+      </p:sp>
+      <p:sp>
+        <p:nvSpPr>
+          <p:cNvPr id="3" name="Content Placeholder 2">
+            <a:extLst>
+              <a:ext uri="{FF2B5EF4-FFF2-40B4-BE49-F238E27FC236}">
+                <a16:creationId xmlns:a16="http://schemas.microsoft.com/office/drawing/2014/main" id="{100C06F5-DCC7-494C-9B26-CB5937FE98C2}"/>
+              </a:ext>
+            </a:extLst>
+          </p:cNvPr>
+          <p:cNvSpPr>
+            <a:spLocks noGrp="1"/>
+          </p:cNvSpPr>
+          <p:nvPr>
+            <p:ph idx="1"/>
+          </p:nvPr>
+        </p:nvSpPr>
+        <p:spPr/>
+        <p:txBody>
+          <a:bodyPr/>
+          <a:lstStyle/>
+          <a:p>
+            <a:r>
+              <a:rPr lang="en-US" dirty="0"/>
+              <a:t>State register</a:t>
+            </a:r>
+          </a:p>
+          <a:p>
+            <a:r>
+              <a:rPr lang="en-US" dirty="0"/>
+              <a:t>Updated to next state with combinational logic</a:t>
+            </a:r>
+          </a:p>
+          <a:p>
+            <a:r>
+              <a:rPr lang="en-US" dirty="0"/>
+              <a:t>State-dependent combinational output logic</a:t>
+            </a:r>
+          </a:p>
+          <a:p>
+            <a:endParaRPr lang="en-US" dirty="0"/>
+          </a:p>
+        </p:txBody>
+      </p:sp>
+      <p:sp>
+        <p:nvSpPr>
+          <p:cNvPr id="4" name="Date Placeholder 3">
+            <a:extLst>
+              <a:ext uri="{FF2B5EF4-FFF2-40B4-BE49-F238E27FC236}">
+                <a16:creationId xmlns:a16="http://schemas.microsoft.com/office/drawing/2014/main" id="{E907D080-55B4-434E-A5C2-ABEBF1CF53CE}"/>
+              </a:ext>
+            </a:extLst>
+          </p:cNvPr>
+          <p:cNvSpPr>
+            <a:spLocks noGrp="1"/>
+          </p:cNvSpPr>
+          <p:nvPr>
+            <p:ph type="dt" sz="half" idx="10"/>
+          </p:nvPr>
+        </p:nvSpPr>
+        <p:spPr/>
+        <p:txBody>
+          <a:bodyPr/>
+          <a:lstStyle/>
+          <a:p>
+            <a:pPr>
+              <a:defRPr/>
+            </a:pPr>
+            <a:r>
+              <a:rPr lang="en-US"/>
+              <a:t>21/12/2020</a:t>
+            </a:r>
+          </a:p>
+        </p:txBody>
+      </p:sp>
+      <p:sp>
+        <p:nvSpPr>
+          <p:cNvPr id="5" name="Slide Number Placeholder 4">
+            <a:extLst>
+              <a:ext uri="{FF2B5EF4-FFF2-40B4-BE49-F238E27FC236}">
+                <a16:creationId xmlns:a16="http://schemas.microsoft.com/office/drawing/2014/main" id="{7EB7A27D-CAF2-4E33-BFBA-B69EC793F126}"/>
+              </a:ext>
+            </a:extLst>
+          </p:cNvPr>
+          <p:cNvSpPr>
+            <a:spLocks noGrp="1"/>
+          </p:cNvSpPr>
+          <p:nvPr>
+            <p:ph type="sldNum" sz="quarter" idx="12"/>
+          </p:nvPr>
+        </p:nvSpPr>
+        <p:spPr/>
+        <p:txBody>
+          <a:bodyPr/>
+          <a:lstStyle/>
+          <a:p>
+            <a:pPr>
+              <a:defRPr/>
+            </a:pPr>
+            <a:fld id="{CA887A73-1AE0-46F8-856A-18EA1CF30A1B}" type="slidenum">
+              <a:rPr lang="en-US" altLang="en-US" smtClean="0"/>
+              <a:pPr>
+                <a:defRPr/>
+              </a:pPr>
+              <a:t>15</a:t>
+            </a:fld>
+            <a:endParaRPr lang="en-US" altLang="en-US"/>
+          </a:p>
+        </p:txBody>
+      </p:sp>
+      <p:pic>
+        <p:nvPicPr>
+          <p:cNvPr id="8" name="Picture 7">
+            <a:extLst>
+              <a:ext uri="{FF2B5EF4-FFF2-40B4-BE49-F238E27FC236}">
+                <a16:creationId xmlns:a16="http://schemas.microsoft.com/office/drawing/2014/main" id="{43992EA8-C713-425D-8835-CEF6C2F18231}"/>
+              </a:ext>
+            </a:extLst>
+          </p:cNvPr>
+          <p:cNvPicPr>
+            <a:picLocks noChangeAspect="1"/>
+          </p:cNvPicPr>
+          <p:nvPr/>
+        </p:nvPicPr>
+        <p:blipFill rotWithShape="1">
+          <a:blip r:embed="rId2"/>
+          <a:srcRect b="89193"/>
+          <a:stretch/>
+        </p:blipFill>
+        <p:spPr>
+          <a:xfrm>
+            <a:off x="152400" y="3130313"/>
+            <a:ext cx="8839966" cy="374887"/>
+          </a:xfrm>
+          <a:prstGeom prst="rect">
+            <a:avLst/>
+          </a:prstGeom>
+        </p:spPr>
+      </p:pic>
+      <p:pic>
+        <p:nvPicPr>
+          <p:cNvPr id="9" name="Picture 8">
+            <a:extLst>
+              <a:ext uri="{FF2B5EF4-FFF2-40B4-BE49-F238E27FC236}">
+                <a16:creationId xmlns:a16="http://schemas.microsoft.com/office/drawing/2014/main" id="{F18A17A4-F6AB-4A12-BA0F-291B9D44DE0E}"/>
+              </a:ext>
+            </a:extLst>
+          </p:cNvPr>
+          <p:cNvPicPr>
+            <a:picLocks noChangeAspect="1"/>
+          </p:cNvPicPr>
+          <p:nvPr/>
+        </p:nvPicPr>
+        <p:blipFill rotWithShape="1">
+          <a:blip r:embed="rId2"/>
+          <a:srcRect r="90514"/>
+          <a:stretch/>
+        </p:blipFill>
+        <p:spPr>
+          <a:xfrm>
+            <a:off x="151634" y="3130314"/>
+            <a:ext cx="805195" cy="3330810"/>
+          </a:xfrm>
+          <a:prstGeom prst="rect">
+            <a:avLst/>
+          </a:prstGeom>
+        </p:spPr>
+      </p:pic>
+      <p:pic>
+        <p:nvPicPr>
+          <p:cNvPr id="11" name="Picture 10">
+            <a:extLst>
+              <a:ext uri="{FF2B5EF4-FFF2-40B4-BE49-F238E27FC236}">
+                <a16:creationId xmlns:a16="http://schemas.microsoft.com/office/drawing/2014/main" id="{9C5232DA-B115-4CA3-8D3D-82BF799395E9}"/>
+              </a:ext>
+            </a:extLst>
+          </p:cNvPr>
+          <p:cNvPicPr>
+            <a:picLocks noChangeAspect="1"/>
+          </p:cNvPicPr>
+          <p:nvPr/>
+        </p:nvPicPr>
+        <p:blipFill rotWithShape="1">
+          <a:blip r:embed="rId2"/>
+          <a:srcRect l="-3" r="-4131" b="82835"/>
+          <a:stretch/>
+        </p:blipFill>
+        <p:spPr>
+          <a:xfrm>
+            <a:off x="151634" y="3130314"/>
+            <a:ext cx="8839200" cy="571736"/>
+          </a:xfrm>
+          <a:prstGeom prst="rect">
+            <a:avLst/>
+          </a:prstGeom>
+        </p:spPr>
+      </p:pic>
+      <p:pic>
+        <p:nvPicPr>
+          <p:cNvPr id="12" name="Picture 11">
+            <a:extLst>
+              <a:ext uri="{FF2B5EF4-FFF2-40B4-BE49-F238E27FC236}">
+                <a16:creationId xmlns:a16="http://schemas.microsoft.com/office/drawing/2014/main" id="{C776A0DB-855B-4C0B-83A8-864DE431318D}"/>
+              </a:ext>
+            </a:extLst>
+          </p:cNvPr>
+          <p:cNvPicPr>
+            <a:picLocks noChangeAspect="1"/>
+          </p:cNvPicPr>
+          <p:nvPr/>
+        </p:nvPicPr>
+        <p:blipFill rotWithShape="1">
+          <a:blip r:embed="rId2"/>
+          <a:srcRect l="-3" r="-4131"/>
+          <a:stretch/>
+        </p:blipFill>
+        <p:spPr>
+          <a:xfrm>
+            <a:off x="151634" y="3130313"/>
+            <a:ext cx="8839200" cy="3330809"/>
+          </a:xfrm>
+          <a:prstGeom prst="rect">
+            <a:avLst/>
+          </a:prstGeom>
+        </p:spPr>
+      </p:pic>
+    </p:spTree>
+    <p:extLst>
+      <p:ext uri="{BB962C8B-B14F-4D97-AF65-F5344CB8AC3E}">
+        <p14:creationId xmlns:p14="http://schemas.microsoft.com/office/powerpoint/2010/main" val="1051893258"/>
+      </p:ext>
+    </p:extLst>
+  </p:cSld>
+  <p:clrMapOvr>
+    <a:masterClrMapping/>
+  </p:clrMapOvr>
+  <p:timing>
+    <p:tnLst>
+      <p:par>
+        <p:cTn id="1" dur="indefinite" restart="never" nodeType="tmRoot">
+          <p:childTnLst>
+            <p:seq concurrent="1" nextAc="seek">
+              <p:cTn id="2" dur="indefinite" nodeType="mainSeq">
+                <p:childTnLst>
+                  <p:par>
+                    <p:cTn id="3" fill="hold">
+                      <p:stCondLst>
+                        <p:cond delay="indefinite"/>
+                      </p:stCondLst>
+                      <p:childTnLst>
+                        <p:par>
+                          <p:cTn id="4" fill="hold">
+                            <p:stCondLst>
+                              <p:cond delay="0"/>
+                            </p:stCondLst>
+                            <p:childTnLst>
+                              <p:par>
+                                <p:cTn id="5" presetID="1" presetClass="entr" presetSubtype="0" fill="hold" grpId="0" nodeType="clickEffect">
+                                  <p:stCondLst>
+                                    <p:cond delay="0"/>
+                                  </p:stCondLst>
+                                  <p:childTnLst>
+                                    <p:set>
+                                      <p:cBhvr>
+                                        <p:cTn id="6" dur="1" fill="hold">
+                                          <p:stCondLst>
+                                            <p:cond delay="0"/>
+                                          </p:stCondLst>
+                                        </p:cTn>
+                                        <p:tgtEl>
+                                          <p:spTgt spid="3">
+                                            <p:txEl>
+                                              <p:pRg st="0" end="0"/>
+                                            </p:txEl>
+                                          </p:spTgt>
+                                        </p:tgtEl>
+                                        <p:attrNameLst>
+                                          <p:attrName>style.visibility</p:attrName>
+                                        </p:attrNameLst>
+                                      </p:cBhvr>
+                                      <p:to>
+                                        <p:strVal val="visible"/>
+                                      </p:to>
+                                    </p:set>
+                                  </p:childTnLst>
+                                </p:cTn>
+                              </p:par>
+                            </p:childTnLst>
+                          </p:cTn>
+                        </p:par>
+                      </p:childTnLst>
+                    </p:cTn>
+                  </p:par>
+                  <p:par>
+                    <p:cTn id="7" fill="hold">
+                      <p:stCondLst>
+                        <p:cond delay="indefinite"/>
+                      </p:stCondLst>
+                      <p:childTnLst>
+                        <p:par>
+                          <p:cTn id="8" fill="hold">
+                            <p:stCondLst>
+                              <p:cond delay="0"/>
+                            </p:stCondLst>
+                            <p:childTnLst>
+                              <p:par>
+                                <p:cTn id="9" presetID="1" presetClass="entr" presetSubtype="0" fill="hold" grpId="0" nodeType="clickEffect">
+                                  <p:stCondLst>
+                                    <p:cond delay="0"/>
+                                  </p:stCondLst>
+                                  <p:childTnLst>
+                                    <p:set>
+                                      <p:cBhvr>
+                                        <p:cTn id="10" dur="1" fill="hold">
+                                          <p:stCondLst>
+                                            <p:cond delay="0"/>
+                                          </p:stCondLst>
+                                        </p:cTn>
+                                        <p:tgtEl>
+                                          <p:spTgt spid="3">
+                                            <p:txEl>
+                                              <p:pRg st="1" end="1"/>
+                                            </p:txEl>
+                                          </p:spTgt>
+                                        </p:tgtEl>
+                                        <p:attrNameLst>
+                                          <p:attrName>style.visibility</p:attrName>
+                                        </p:attrNameLst>
+                                      </p:cBhvr>
+                                      <p:to>
+                                        <p:strVal val="visible"/>
+                                      </p:to>
+                                    </p:set>
+                                  </p:childTnLst>
+                                </p:cTn>
+                              </p:par>
+                            </p:childTnLst>
+                          </p:cTn>
+                        </p:par>
+                      </p:childTnLst>
+                    </p:cTn>
+                  </p:par>
+                  <p:par>
+                    <p:cTn id="11" fill="hold">
+                      <p:stCondLst>
+                        <p:cond delay="indefinite"/>
+                      </p:stCondLst>
+                      <p:childTnLst>
+                        <p:par>
+                          <p:cTn id="12" fill="hold">
+                            <p:stCondLst>
+                              <p:cond delay="0"/>
+                            </p:stCondLst>
+                            <p:childTnLst>
+                              <p:par>
+                                <p:cTn id="13" presetID="1" presetClass="entr" presetSubtype="0" fill="hold" grpId="0" nodeType="clickEffect">
+                                  <p:stCondLst>
+                                    <p:cond delay="0"/>
+                                  </p:stCondLst>
+                                  <p:childTnLst>
+                                    <p:set>
+                                      <p:cBhvr>
+                                        <p:cTn id="14" dur="1" fill="hold">
+                                          <p:stCondLst>
+                                            <p:cond delay="0"/>
+                                          </p:stCondLst>
+                                        </p:cTn>
+                                        <p:tgtEl>
+                                          <p:spTgt spid="3">
+                                            <p:txEl>
+                                              <p:pRg st="2" end="2"/>
+                                            </p:txEl>
+                                          </p:spTgt>
+                                        </p:tgtEl>
+                                        <p:attrNameLst>
+                                          <p:attrName>style.visibility</p:attrName>
+                                        </p:attrNameLst>
+                                      </p:cBhvr>
+                                      <p:to>
+                                        <p:strVal val="visible"/>
+                                      </p:to>
+                                    </p:set>
+                                  </p:childTnLst>
+                                </p:cTn>
+                              </p:par>
+                            </p:childTnLst>
+                          </p:cTn>
+                        </p:par>
+                      </p:childTnLst>
+                    </p:cTn>
+                  </p:par>
+                  <p:par>
+                    <p:cTn id="15" fill="hold">
+                      <p:stCondLst>
+                        <p:cond delay="indefinite"/>
+                      </p:stCondLst>
+                      <p:childTnLst>
+                        <p:par>
+                          <p:cTn id="16" fill="hold">
+                            <p:stCondLst>
+                              <p:cond delay="0"/>
+                            </p:stCondLst>
+                            <p:childTnLst>
+                              <p:par>
+                                <p:cTn id="17" presetID="1" presetClass="entr" presetSubtype="0" fill="hold" nodeType="clickEffect">
+                                  <p:stCondLst>
+                                    <p:cond delay="0"/>
+                                  </p:stCondLst>
+                                  <p:childTnLst>
+                                    <p:set>
+                                      <p:cBhvr>
+                                        <p:cTn id="18" dur="1" fill="hold">
+                                          <p:stCondLst>
+                                            <p:cond delay="0"/>
+                                          </p:stCondLst>
+                                        </p:cTn>
+                                        <p:tgtEl>
+                                          <p:spTgt spid="8"/>
+                                        </p:tgtEl>
+                                        <p:attrNameLst>
+                                          <p:attrName>style.visibility</p:attrName>
+                                        </p:attrNameLst>
+                                      </p:cBhvr>
+                                      <p:to>
+                                        <p:strVal val="visible"/>
+                                      </p:to>
+                                    </p:set>
+                                  </p:childTnLst>
+                                </p:cTn>
+                              </p:par>
+                            </p:childTnLst>
+                          </p:cTn>
+                        </p:par>
+                      </p:childTnLst>
+                    </p:cTn>
+                  </p:par>
+                  <p:par>
+                    <p:cTn id="19" fill="hold">
+                      <p:stCondLst>
+                        <p:cond delay="indefinite"/>
+                      </p:stCondLst>
+                      <p:childTnLst>
+                        <p:par>
+                          <p:cTn id="20" fill="hold">
+                            <p:stCondLst>
+                              <p:cond delay="0"/>
+                            </p:stCondLst>
+                            <p:childTnLst>
+                              <p:par>
+                                <p:cTn id="21" presetID="1" presetClass="entr" presetSubtype="0" fill="hold" nodeType="clickEffect">
+                                  <p:stCondLst>
+                                    <p:cond delay="0"/>
+                                  </p:stCondLst>
+                                  <p:childTnLst>
+                                    <p:set>
+                                      <p:cBhvr>
+                                        <p:cTn id="22" dur="1" fill="hold">
+                                          <p:stCondLst>
+                                            <p:cond delay="0"/>
+                                          </p:stCondLst>
+                                        </p:cTn>
+                                        <p:tgtEl>
+                                          <p:spTgt spid="9"/>
+                                        </p:tgtEl>
+                                        <p:attrNameLst>
+                                          <p:attrName>style.visibility</p:attrName>
+                                        </p:attrNameLst>
+                                      </p:cBhvr>
+                                      <p:to>
+                                        <p:strVal val="visible"/>
+                                      </p:to>
+                                    </p:set>
+                                  </p:childTnLst>
+                                </p:cTn>
+                              </p:par>
+                            </p:childTnLst>
+                          </p:cTn>
+                        </p:par>
+                      </p:childTnLst>
+                    </p:cTn>
+                  </p:par>
+                  <p:par>
+                    <p:cTn id="23" fill="hold">
+                      <p:stCondLst>
+                        <p:cond delay="indefinite"/>
+                      </p:stCondLst>
+                      <p:childTnLst>
+                        <p:par>
+                          <p:cTn id="24" fill="hold">
+                            <p:stCondLst>
+                              <p:cond delay="0"/>
+                            </p:stCondLst>
+                            <p:childTnLst>
+                              <p:par>
+                                <p:cTn id="25" presetID="1" presetClass="entr" presetSubtype="0" fill="hold" nodeType="clickEffect">
+                                  <p:stCondLst>
+                                    <p:cond delay="0"/>
+                                  </p:stCondLst>
+                                  <p:childTnLst>
+                                    <p:set>
+                                      <p:cBhvr>
+                                        <p:cTn id="26" dur="1" fill="hold">
+                                          <p:stCondLst>
+                                            <p:cond delay="0"/>
+                                          </p:stCondLst>
+                                        </p:cTn>
+                                        <p:tgtEl>
+                                          <p:spTgt spid="11"/>
+                                        </p:tgtEl>
+                                        <p:attrNameLst>
+                                          <p:attrName>style.visibility</p:attrName>
+                                        </p:attrNameLst>
+                                      </p:cBhvr>
+                                      <p:to>
+                                        <p:strVal val="visible"/>
+                                      </p:to>
+                                    </p:set>
+                                  </p:childTnLst>
+                                </p:cTn>
+                              </p:par>
+                            </p:childTnLst>
+                          </p:cTn>
+                        </p:par>
+                      </p:childTnLst>
+                    </p:cTn>
+                  </p:par>
+                  <p:par>
+                    <p:cTn id="27" fill="hold">
+                      <p:stCondLst>
+                        <p:cond delay="indefinite"/>
+                      </p:stCondLst>
+                      <p:childTnLst>
+                        <p:par>
+                          <p:cTn id="28" fill="hold">
+                            <p:stCondLst>
+                              <p:cond delay="0"/>
+                            </p:stCondLst>
+                            <p:childTnLst>
+                              <p:par>
+                                <p:cTn id="29" presetID="1" presetClass="entr" presetSubtype="0" fill="hold" nodeType="clickEffect">
+                                  <p:stCondLst>
+                                    <p:cond delay="0"/>
+                                  </p:stCondLst>
+                                  <p:childTnLst>
+                                    <p:set>
+                                      <p:cBhvr>
+                                        <p:cTn id="30" dur="1" fill="hold">
+                                          <p:stCondLst>
+                                            <p:cond delay="0"/>
+                                          </p:stCondLst>
+                                        </p:cTn>
+                                        <p:tgtEl>
+                                          <p:spTgt spid="12"/>
+                                        </p:tgtEl>
+                                        <p:attrNameLst>
+                                          <p:attrName>style.visibility</p:attrName>
+                                        </p:attrNameLst>
+                                      </p:cBhvr>
+                                      <p:to>
+                                        <p:strVal val="visible"/>
+                                      </p:to>
+                                    </p:set>
+                                  </p:childTnLst>
+                                </p:cTn>
+                              </p:par>
+                            </p:childTnLst>
+                          </p:cTn>
+                        </p:par>
+                      </p:childTnLst>
+                    </p:cTn>
+                  </p:par>
+                </p:childTnLst>
+              </p:cTn>
+              <p:prevCondLst>
+                <p:cond evt="onPrev" delay="0">
+                  <p:tgtEl>
+                    <p:sldTgt/>
+                  </p:tgtEl>
+                </p:cond>
+              </p:prevCondLst>
+              <p:nextCondLst>
+                <p:cond evt="onNext" delay="0">
+                  <p:tgtEl>
+                    <p:sldTgt/>
+                  </p:tgtEl>
+                </p:cond>
+              </p:nextCondLst>
+            </p:seq>
+          </p:childTnLst>
+        </p:cTn>
+      </p:par>
+    </p:tnLst>
+    <p:bldLst>
+      <p:bldP spid="3" grpId="0" build="p"/>
+    </p:bldLst>
+  </p:timing>
+</p:sld>
+</file>
+
+<file path=ppt/slides/slide16.xml><?xml version="1.0" encoding="utf-8"?>
+<p:sld xmlns:a="http://schemas.openxmlformats.org/drawingml/2006/main" xmlns:r="http://schemas.openxmlformats.org/officeDocument/2006/relationships" xmlns:p="http://schemas.openxmlformats.org/presentationml/2006/main">
+  <p:cSld>
+    <p:spTree>
+      <p:nvGrpSpPr>
+        <p:cNvPr id="1" name=""/>
+        <p:cNvGrpSpPr/>
+        <p:nvPr/>
+      </p:nvGrpSpPr>
+      <p:grpSpPr>
+        <a:xfrm>
+          <a:off x="0" y="0"/>
+          <a:ext cx="0" cy="0"/>
+          <a:chOff x="0" y="0"/>
+          <a:chExt cx="0" cy="0"/>
+        </a:xfrm>
+      </p:grpSpPr>
+      <p:sp>
+        <p:nvSpPr>
+          <p:cNvPr id="2" name="Title 1">
+            <a:extLst>
+              <a:ext uri="{FF2B5EF4-FFF2-40B4-BE49-F238E27FC236}">
+                <a16:creationId xmlns:a16="http://schemas.microsoft.com/office/drawing/2014/main" id="{5656C38A-81EF-4ED9-BBFE-139DBCF33FF1}"/>
+              </a:ext>
+            </a:extLst>
+          </p:cNvPr>
+          <p:cNvSpPr>
+            <a:spLocks noGrp="1"/>
+          </p:cNvSpPr>
+          <p:nvPr>
+            <p:ph type="title"/>
+          </p:nvPr>
+        </p:nvSpPr>
+        <p:spPr/>
+        <p:txBody>
+          <a:bodyPr/>
+          <a:lstStyle/>
+          <a:p>
+            <a:r>
+              <a:rPr lang="en-US" dirty="0"/>
+              <a:t>Transition table</a:t>
+            </a:r>
+          </a:p>
+        </p:txBody>
+      </p:sp>
+      <p:graphicFrame>
+        <p:nvGraphicFramePr>
+          <p:cNvPr id="6" name="Content Placeholder 5">
+            <a:extLst>
+              <a:ext uri="{FF2B5EF4-FFF2-40B4-BE49-F238E27FC236}">
+                <a16:creationId xmlns:a16="http://schemas.microsoft.com/office/drawing/2014/main" id="{AC3CA922-01E4-4124-B561-5013DBB0150D}"/>
+              </a:ext>
+            </a:extLst>
+          </p:cNvPr>
+          <p:cNvGraphicFramePr>
+            <a:graphicFrameLocks noGrp="1"/>
+          </p:cNvGraphicFramePr>
+          <p:nvPr>
+            <p:ph idx="1"/>
+            <p:extLst>
+              <p:ext uri="{D42A27DB-BD31-4B8C-83A1-F6EECF244321}">
+                <p14:modId xmlns:p14="http://schemas.microsoft.com/office/powerpoint/2010/main" val="2213275194"/>
+              </p:ext>
+            </p:extLst>
+          </p:nvPr>
+        </p:nvGraphicFramePr>
+        <p:xfrm>
+          <a:off x="784696" y="1446213"/>
+          <a:ext cx="7574607" cy="5014912"/>
+        </p:xfrm>
+        <a:graphic>
+          <a:graphicData uri="http://schemas.openxmlformats.org/drawingml/2006/table">
+            <a:tbl>
+              <a:tblPr/>
+              <a:tblGrid>
+                <a:gridCol w="2524869">
+                  <a:extLst>
+                    <a:ext uri="{9D8B030D-6E8A-4147-A177-3AD203B41FA5}">
+                      <a16:colId xmlns:a16="http://schemas.microsoft.com/office/drawing/2014/main" val="3555771227"/>
+                    </a:ext>
+                  </a:extLst>
+                </a:gridCol>
+                <a:gridCol w="2524869">
+                  <a:extLst>
+                    <a:ext uri="{9D8B030D-6E8A-4147-A177-3AD203B41FA5}">
+                      <a16:colId xmlns:a16="http://schemas.microsoft.com/office/drawing/2014/main" val="1759779389"/>
+                    </a:ext>
+                  </a:extLst>
+                </a:gridCol>
+                <a:gridCol w="2524869">
+                  <a:extLst>
+                    <a:ext uri="{9D8B030D-6E8A-4147-A177-3AD203B41FA5}">
+                      <a16:colId xmlns:a16="http://schemas.microsoft.com/office/drawing/2014/main" val="2250642826"/>
+                    </a:ext>
+                  </a:extLst>
+                </a:gridCol>
+              </a:tblGrid>
+              <a:tr h="313432">
+                <a:tc>
+                  <a:txBody>
+                    <a:bodyPr/>
+                    <a:lstStyle/>
+                    <a:p>
+                      <a:r>
+                        <a:rPr lang="en-US" sz="1500" dirty="0">
+                          <a:solidFill>
+                            <a:schemeClr val="bg1"/>
+                          </a:solidFill>
+                        </a:rPr>
+                        <a:t>Current State</a:t>
+                      </a:r>
+                    </a:p>
+                  </a:txBody>
+                  <a:tcPr marL="78358" marR="78358" marT="39179" marB="39179" anchor="ctr">
+                    <a:lnL>
+                      <a:noFill/>
+                    </a:lnL>
+                    <a:lnR>
+                      <a:noFill/>
+                    </a:lnR>
+                    <a:lnT>
+                      <a:noFill/>
+                    </a:lnT>
+                    <a:lnB>
+                      <a:noFill/>
+                    </a:lnB>
+                    <a:solidFill>
+                      <a:srgbClr val="FF0000"/>
+                    </a:solidFill>
+                  </a:tcPr>
+                </a:tc>
+                <a:tc>
+                  <a:txBody>
+                    <a:bodyPr/>
+                    <a:lstStyle/>
+                    <a:p>
+                      <a:r>
+                        <a:rPr lang="en-US" sz="1500" dirty="0">
+                          <a:solidFill>
+                            <a:schemeClr val="bg1"/>
+                          </a:solidFill>
+                        </a:rPr>
+                        <a:t>Instruction / Condition</a:t>
+                      </a:r>
+                    </a:p>
+                  </a:txBody>
+                  <a:tcPr marL="78358" marR="78358" marT="39179" marB="39179" anchor="ctr">
+                    <a:lnL>
+                      <a:noFill/>
+                    </a:lnL>
+                    <a:lnR>
+                      <a:noFill/>
+                    </a:lnR>
+                    <a:lnT>
+                      <a:noFill/>
+                    </a:lnT>
+                    <a:lnB>
+                      <a:noFill/>
+                    </a:lnB>
+                    <a:solidFill>
+                      <a:srgbClr val="FF0000"/>
+                    </a:solidFill>
+                  </a:tcPr>
+                </a:tc>
+                <a:tc>
+                  <a:txBody>
+                    <a:bodyPr/>
+                    <a:lstStyle/>
+                    <a:p>
+                      <a:r>
+                        <a:rPr lang="en-US" sz="1500" dirty="0">
+                          <a:solidFill>
+                            <a:schemeClr val="bg1"/>
+                          </a:solidFill>
+                        </a:rPr>
+                        <a:t>Next State</a:t>
+                      </a:r>
+                    </a:p>
+                  </a:txBody>
+                  <a:tcPr marL="78358" marR="78358" marT="39179" marB="39179" anchor="ctr">
+                    <a:lnL>
+                      <a:noFill/>
+                    </a:lnL>
+                    <a:lnR>
+                      <a:noFill/>
+                    </a:lnR>
+                    <a:lnT>
+                      <a:noFill/>
+                    </a:lnT>
+                    <a:lnB>
+                      <a:noFill/>
+                    </a:lnB>
+                    <a:solidFill>
+                      <a:srgbClr val="FF0000"/>
+                    </a:solidFill>
+                  </a:tcPr>
+                </a:tc>
+                <a:extLst>
+                  <a:ext uri="{0D108BD9-81ED-4DB2-BD59-A6C34878D82A}">
+                    <a16:rowId xmlns:a16="http://schemas.microsoft.com/office/drawing/2014/main" val="2075853906"/>
+                  </a:ext>
+                </a:extLst>
+              </a:tr>
+              <a:tr h="313432">
+                <a:tc>
+                  <a:txBody>
+                    <a:bodyPr/>
+                    <a:lstStyle/>
+                    <a:p>
+                      <a:r>
+                        <a:rPr lang="en-US" sz="1500" b="1"/>
+                        <a:t>S0 (IF)</a:t>
+                      </a:r>
+                      <a:endParaRPr lang="en-US" sz="1500"/>
+                    </a:p>
+                  </a:txBody>
+                  <a:tcPr marL="78358" marR="78358" marT="39179" marB="39179" anchor="ctr">
+                    <a:lnL>
+                      <a:noFill/>
+                    </a:lnL>
+                    <a:lnR>
+                      <a:noFill/>
+                    </a:lnR>
+                    <a:lnT>
+                      <a:noFill/>
+                    </a:lnT>
+                    <a:lnB>
+                      <a:noFill/>
+                    </a:lnB>
+                  </a:tcPr>
+                </a:tc>
+                <a:tc>
+                  <a:txBody>
+                    <a:bodyPr/>
+                    <a:lstStyle/>
+                    <a:p>
+                      <a:r>
+                        <a:rPr lang="en-US" sz="1500"/>
+                        <a:t>—</a:t>
+                      </a:r>
+                    </a:p>
+                  </a:txBody>
+                  <a:tcPr marL="78358" marR="78358" marT="39179" marB="39179" anchor="ctr">
+                    <a:lnL>
+                      <a:noFill/>
+                    </a:lnL>
+                    <a:lnR>
+                      <a:noFill/>
+                    </a:lnR>
+                    <a:lnT>
+                      <a:noFill/>
+                    </a:lnT>
+                    <a:lnB>
+                      <a:noFill/>
+                    </a:lnB>
+                  </a:tcPr>
+                </a:tc>
+                <a:tc>
+                  <a:txBody>
+                    <a:bodyPr/>
+                    <a:lstStyle/>
+                    <a:p>
+                      <a:r>
+                        <a:rPr lang="en-US" sz="1500"/>
+                        <a:t>S1</a:t>
+                      </a:r>
+                    </a:p>
+                  </a:txBody>
+                  <a:tcPr marL="78358" marR="78358" marT="39179" marB="39179" anchor="ctr">
+                    <a:lnL>
+                      <a:noFill/>
+                    </a:lnL>
+                    <a:lnR>
+                      <a:noFill/>
+                    </a:lnR>
+                    <a:lnT>
+                      <a:noFill/>
+                    </a:lnT>
+                    <a:lnB>
+                      <a:noFill/>
+                    </a:lnB>
+                  </a:tcPr>
+                </a:tc>
+                <a:extLst>
+                  <a:ext uri="{0D108BD9-81ED-4DB2-BD59-A6C34878D82A}">
+                    <a16:rowId xmlns:a16="http://schemas.microsoft.com/office/drawing/2014/main" val="2290487289"/>
+                  </a:ext>
+                </a:extLst>
+              </a:tr>
+              <a:tr h="313432">
+                <a:tc>
+                  <a:txBody>
+                    <a:bodyPr/>
+                    <a:lstStyle/>
+                    <a:p>
+                      <a:r>
+                        <a:rPr lang="en-US" sz="1500" b="1"/>
+                        <a:t>S1 (ID)</a:t>
+                      </a:r>
+                      <a:endParaRPr lang="en-US" sz="1500"/>
+                    </a:p>
+                  </a:txBody>
+                  <a:tcPr marL="78358" marR="78358" marT="39179" marB="39179" anchor="ctr">
+                    <a:lnL>
+                      <a:noFill/>
+                    </a:lnL>
+                    <a:lnR>
+                      <a:noFill/>
+                    </a:lnR>
+                    <a:lnT>
+                      <a:noFill/>
+                    </a:lnT>
+                    <a:lnB>
+                      <a:noFill/>
+                    </a:lnB>
+                  </a:tcPr>
+                </a:tc>
+                <a:tc>
+                  <a:txBody>
+                    <a:bodyPr/>
+                    <a:lstStyle/>
+                    <a:p>
+                      <a:r>
+                        <a:rPr lang="en-US" sz="1500"/>
+                        <a:t>R</a:t>
+                      </a:r>
+                    </a:p>
+                  </a:txBody>
+                  <a:tcPr marL="78358" marR="78358" marT="39179" marB="39179" anchor="ctr">
+                    <a:lnL>
+                      <a:noFill/>
+                    </a:lnL>
+                    <a:lnR>
+                      <a:noFill/>
+                    </a:lnR>
+                    <a:lnT>
+                      <a:noFill/>
+                    </a:lnT>
+                    <a:lnB>
+                      <a:noFill/>
+                    </a:lnB>
+                  </a:tcPr>
+                </a:tc>
+                <a:tc>
+                  <a:txBody>
+                    <a:bodyPr/>
+                    <a:lstStyle/>
+                    <a:p>
+                      <a:r>
+                        <a:rPr lang="en-US" sz="1500"/>
+                        <a:t>S5</a:t>
+                      </a:r>
+                    </a:p>
+                  </a:txBody>
+                  <a:tcPr marL="78358" marR="78358" marT="39179" marB="39179" anchor="ctr">
+                    <a:lnL>
+                      <a:noFill/>
+                    </a:lnL>
+                    <a:lnR>
+                      <a:noFill/>
+                    </a:lnR>
+                    <a:lnT>
+                      <a:noFill/>
+                    </a:lnT>
+                    <a:lnB>
+                      <a:noFill/>
+                    </a:lnB>
+                  </a:tcPr>
+                </a:tc>
+                <a:extLst>
+                  <a:ext uri="{0D108BD9-81ED-4DB2-BD59-A6C34878D82A}">
+                    <a16:rowId xmlns:a16="http://schemas.microsoft.com/office/drawing/2014/main" val="1687131938"/>
+                  </a:ext>
+                </a:extLst>
+              </a:tr>
+              <a:tr h="313432">
+                <a:tc>
+                  <a:txBody>
+                    <a:bodyPr/>
+                    <a:lstStyle/>
+                    <a:p>
+                      <a:endParaRPr lang="en-US" sz="1500"/>
+                    </a:p>
+                  </a:txBody>
+                  <a:tcPr marL="78358" marR="78358" marT="39179" marB="39179" anchor="ctr">
+                    <a:lnL>
+                      <a:noFill/>
+                    </a:lnL>
+                    <a:lnR>
+                      <a:noFill/>
+                    </a:lnR>
+                    <a:lnT>
+                      <a:noFill/>
+                    </a:lnT>
+                    <a:lnB>
+                      <a:noFill/>
+                    </a:lnB>
+                  </a:tcPr>
+                </a:tc>
+                <a:tc>
+                  <a:txBody>
+                    <a:bodyPr/>
+                    <a:lstStyle/>
+                    <a:p>
+                      <a:r>
+                        <a:rPr lang="en-US" sz="1500"/>
+                        <a:t>LW</a:t>
+                      </a:r>
+                    </a:p>
+                  </a:txBody>
+                  <a:tcPr marL="78358" marR="78358" marT="39179" marB="39179" anchor="ctr">
+                    <a:lnL>
+                      <a:noFill/>
+                    </a:lnL>
+                    <a:lnR>
+                      <a:noFill/>
+                    </a:lnR>
+                    <a:lnT>
+                      <a:noFill/>
+                    </a:lnT>
+                    <a:lnB>
+                      <a:noFill/>
+                    </a:lnB>
+                  </a:tcPr>
+                </a:tc>
+                <a:tc>
+                  <a:txBody>
+                    <a:bodyPr/>
+                    <a:lstStyle/>
+                    <a:p>
+                      <a:r>
+                        <a:rPr lang="en-US" sz="1500"/>
+                        <a:t>S2</a:t>
+                      </a:r>
+                    </a:p>
+                  </a:txBody>
+                  <a:tcPr marL="78358" marR="78358" marT="39179" marB="39179" anchor="ctr">
+                    <a:lnL>
+                      <a:noFill/>
+                    </a:lnL>
+                    <a:lnR>
+                      <a:noFill/>
+                    </a:lnR>
+                    <a:lnT>
+                      <a:noFill/>
+                    </a:lnT>
+                    <a:lnB>
+                      <a:noFill/>
+                    </a:lnB>
+                  </a:tcPr>
+                </a:tc>
+                <a:extLst>
+                  <a:ext uri="{0D108BD9-81ED-4DB2-BD59-A6C34878D82A}">
+                    <a16:rowId xmlns:a16="http://schemas.microsoft.com/office/drawing/2014/main" val="1046836129"/>
+                  </a:ext>
+                </a:extLst>
+              </a:tr>
+              <a:tr h="313432">
+                <a:tc>
+                  <a:txBody>
+                    <a:bodyPr/>
+                    <a:lstStyle/>
+                    <a:p>
+                      <a:endParaRPr lang="en-US" sz="1500"/>
+                    </a:p>
+                  </a:txBody>
+                  <a:tcPr marL="78358" marR="78358" marT="39179" marB="39179" anchor="ctr">
+                    <a:lnL>
+                      <a:noFill/>
+                    </a:lnL>
+                    <a:lnR>
+                      <a:noFill/>
+                    </a:lnR>
+                    <a:lnT>
+                      <a:noFill/>
+                    </a:lnT>
+                    <a:lnB>
+                      <a:noFill/>
+                    </a:lnB>
+                  </a:tcPr>
+                </a:tc>
+                <a:tc>
+                  <a:txBody>
+                    <a:bodyPr/>
+                    <a:lstStyle/>
+                    <a:p>
+                      <a:r>
+                        <a:rPr lang="en-US" sz="1500"/>
+                        <a:t>SW</a:t>
+                      </a:r>
+                    </a:p>
+                  </a:txBody>
+                  <a:tcPr marL="78358" marR="78358" marT="39179" marB="39179" anchor="ctr">
+                    <a:lnL>
+                      <a:noFill/>
+                    </a:lnL>
+                    <a:lnR>
+                      <a:noFill/>
+                    </a:lnR>
+                    <a:lnT>
+                      <a:noFill/>
+                    </a:lnT>
+                    <a:lnB>
+                      <a:noFill/>
+                    </a:lnB>
+                  </a:tcPr>
+                </a:tc>
+                <a:tc>
+                  <a:txBody>
+                    <a:bodyPr/>
+                    <a:lstStyle/>
+                    <a:p>
+                      <a:r>
+                        <a:rPr lang="en-US" sz="1500"/>
+                        <a:t>S2</a:t>
+                      </a:r>
+                    </a:p>
+                  </a:txBody>
+                  <a:tcPr marL="78358" marR="78358" marT="39179" marB="39179" anchor="ctr">
+                    <a:lnL>
+                      <a:noFill/>
+                    </a:lnL>
+                    <a:lnR>
+                      <a:noFill/>
+                    </a:lnR>
+                    <a:lnT>
+                      <a:noFill/>
+                    </a:lnT>
+                    <a:lnB>
+                      <a:noFill/>
+                    </a:lnB>
+                  </a:tcPr>
+                </a:tc>
+                <a:extLst>
+                  <a:ext uri="{0D108BD9-81ED-4DB2-BD59-A6C34878D82A}">
+                    <a16:rowId xmlns:a16="http://schemas.microsoft.com/office/drawing/2014/main" val="1761145291"/>
+                  </a:ext>
+                </a:extLst>
+              </a:tr>
+              <a:tr h="313432">
+                <a:tc>
+                  <a:txBody>
+                    <a:bodyPr/>
+                    <a:lstStyle/>
+                    <a:p>
+                      <a:endParaRPr lang="en-US" sz="1500"/>
+                    </a:p>
+                  </a:txBody>
+                  <a:tcPr marL="78358" marR="78358" marT="39179" marB="39179" anchor="ctr">
+                    <a:lnL>
+                      <a:noFill/>
+                    </a:lnL>
+                    <a:lnR>
+                      <a:noFill/>
+                    </a:lnR>
+                    <a:lnT>
+                      <a:noFill/>
+                    </a:lnT>
+                    <a:lnB>
+                      <a:noFill/>
+                    </a:lnB>
+                  </a:tcPr>
+                </a:tc>
+                <a:tc>
+                  <a:txBody>
+                    <a:bodyPr/>
+                    <a:lstStyle/>
+                    <a:p>
+                      <a:r>
+                        <a:rPr lang="en-US" sz="1500"/>
+                        <a:t>BEQ</a:t>
+                      </a:r>
+                    </a:p>
+                  </a:txBody>
+                  <a:tcPr marL="78358" marR="78358" marT="39179" marB="39179" anchor="ctr">
+                    <a:lnL>
+                      <a:noFill/>
+                    </a:lnL>
+                    <a:lnR>
+                      <a:noFill/>
+                    </a:lnR>
+                    <a:lnT>
+                      <a:noFill/>
+                    </a:lnT>
+                    <a:lnB>
+                      <a:noFill/>
+                    </a:lnB>
+                  </a:tcPr>
+                </a:tc>
+                <a:tc>
+                  <a:txBody>
+                    <a:bodyPr/>
+                    <a:lstStyle/>
+                    <a:p>
+                      <a:r>
+                        <a:rPr lang="en-US" sz="1500"/>
+                        <a:t>S7</a:t>
+                      </a:r>
+                    </a:p>
+                  </a:txBody>
+                  <a:tcPr marL="78358" marR="78358" marT="39179" marB="39179" anchor="ctr">
+                    <a:lnL>
+                      <a:noFill/>
+                    </a:lnL>
+                    <a:lnR>
+                      <a:noFill/>
+                    </a:lnR>
+                    <a:lnT>
+                      <a:noFill/>
+                    </a:lnT>
+                    <a:lnB>
+                      <a:noFill/>
+                    </a:lnB>
+                  </a:tcPr>
+                </a:tc>
+                <a:extLst>
+                  <a:ext uri="{0D108BD9-81ED-4DB2-BD59-A6C34878D82A}">
+                    <a16:rowId xmlns:a16="http://schemas.microsoft.com/office/drawing/2014/main" val="3876086457"/>
+                  </a:ext>
+                </a:extLst>
+              </a:tr>
+              <a:tr h="313432">
+                <a:tc>
+                  <a:txBody>
+                    <a:bodyPr/>
+                    <a:lstStyle/>
+                    <a:p>
+                      <a:endParaRPr lang="en-US" sz="1500"/>
+                    </a:p>
+                  </a:txBody>
+                  <a:tcPr marL="78358" marR="78358" marT="39179" marB="39179" anchor="ctr">
+                    <a:lnL>
+                      <a:noFill/>
+                    </a:lnL>
+                    <a:lnR>
+                      <a:noFill/>
+                    </a:lnR>
+                    <a:lnT>
+                      <a:noFill/>
+                    </a:lnT>
+                    <a:lnB>
+                      <a:noFill/>
+                    </a:lnB>
+                  </a:tcPr>
+                </a:tc>
+                <a:tc>
+                  <a:txBody>
+                    <a:bodyPr/>
+                    <a:lstStyle/>
+                    <a:p>
+                      <a:r>
+                        <a:rPr lang="en-US" sz="1500"/>
+                        <a:t>J</a:t>
+                      </a:r>
+                    </a:p>
+                  </a:txBody>
+                  <a:tcPr marL="78358" marR="78358" marT="39179" marB="39179" anchor="ctr">
+                    <a:lnL>
+                      <a:noFill/>
+                    </a:lnL>
+                    <a:lnR>
+                      <a:noFill/>
+                    </a:lnR>
+                    <a:lnT>
+                      <a:noFill/>
+                    </a:lnT>
+                    <a:lnB>
+                      <a:noFill/>
+                    </a:lnB>
+                  </a:tcPr>
+                </a:tc>
+                <a:tc>
+                  <a:txBody>
+                    <a:bodyPr/>
+                    <a:lstStyle/>
+                    <a:p>
+                      <a:r>
+                        <a:rPr lang="en-US" sz="1500"/>
+                        <a:t>S8</a:t>
+                      </a:r>
+                    </a:p>
+                  </a:txBody>
+                  <a:tcPr marL="78358" marR="78358" marT="39179" marB="39179" anchor="ctr">
+                    <a:lnL>
+                      <a:noFill/>
+                    </a:lnL>
+                    <a:lnR>
+                      <a:noFill/>
+                    </a:lnR>
+                    <a:lnT>
+                      <a:noFill/>
+                    </a:lnT>
+                    <a:lnB>
+                      <a:noFill/>
+                    </a:lnB>
+                  </a:tcPr>
+                </a:tc>
+                <a:extLst>
+                  <a:ext uri="{0D108BD9-81ED-4DB2-BD59-A6C34878D82A}">
+                    <a16:rowId xmlns:a16="http://schemas.microsoft.com/office/drawing/2014/main" val="3688704034"/>
+                  </a:ext>
+                </a:extLst>
+              </a:tr>
+              <a:tr h="313432">
+                <a:tc>
+                  <a:txBody>
+                    <a:bodyPr/>
+                    <a:lstStyle/>
+                    <a:p>
+                      <a:r>
+                        <a:rPr lang="en-US" sz="1500" b="1"/>
+                        <a:t>S2 (ADDR)</a:t>
+                      </a:r>
+                      <a:endParaRPr lang="en-US" sz="1500"/>
+                    </a:p>
+                  </a:txBody>
+                  <a:tcPr marL="78358" marR="78358" marT="39179" marB="39179" anchor="ctr">
+                    <a:lnL>
+                      <a:noFill/>
+                    </a:lnL>
+                    <a:lnR>
+                      <a:noFill/>
+                    </a:lnR>
+                    <a:lnT>
+                      <a:noFill/>
+                    </a:lnT>
+                    <a:lnB>
+                      <a:noFill/>
+                    </a:lnB>
+                  </a:tcPr>
+                </a:tc>
+                <a:tc>
+                  <a:txBody>
+                    <a:bodyPr/>
+                    <a:lstStyle/>
+                    <a:p>
+                      <a:r>
+                        <a:rPr lang="en-US" sz="1500"/>
+                        <a:t>LW</a:t>
+                      </a:r>
+                    </a:p>
+                  </a:txBody>
+                  <a:tcPr marL="78358" marR="78358" marT="39179" marB="39179" anchor="ctr">
+                    <a:lnL>
+                      <a:noFill/>
+                    </a:lnL>
+                    <a:lnR>
+                      <a:noFill/>
+                    </a:lnR>
+                    <a:lnT>
+                      <a:noFill/>
+                    </a:lnT>
+                    <a:lnB>
+                      <a:noFill/>
+                    </a:lnB>
+                  </a:tcPr>
+                </a:tc>
+                <a:tc>
+                  <a:txBody>
+                    <a:bodyPr/>
+                    <a:lstStyle/>
+                    <a:p>
+                      <a:r>
+                        <a:rPr lang="en-US" sz="1500"/>
+                        <a:t>S3</a:t>
+                      </a:r>
+                    </a:p>
+                  </a:txBody>
+                  <a:tcPr marL="78358" marR="78358" marT="39179" marB="39179" anchor="ctr">
+                    <a:lnL>
+                      <a:noFill/>
+                    </a:lnL>
+                    <a:lnR>
+                      <a:noFill/>
+                    </a:lnR>
+                    <a:lnT>
+                      <a:noFill/>
+                    </a:lnT>
+                    <a:lnB>
+                      <a:noFill/>
+                    </a:lnB>
+                  </a:tcPr>
+                </a:tc>
+                <a:extLst>
+                  <a:ext uri="{0D108BD9-81ED-4DB2-BD59-A6C34878D82A}">
+                    <a16:rowId xmlns:a16="http://schemas.microsoft.com/office/drawing/2014/main" val="2468627781"/>
+                  </a:ext>
+                </a:extLst>
+              </a:tr>
+              <a:tr h="313432">
+                <a:tc>
+                  <a:txBody>
+                    <a:bodyPr/>
+                    <a:lstStyle/>
+                    <a:p>
+                      <a:endParaRPr lang="en-US" sz="1500"/>
+                    </a:p>
+                  </a:txBody>
+                  <a:tcPr marL="78358" marR="78358" marT="39179" marB="39179" anchor="ctr">
+                    <a:lnL>
+                      <a:noFill/>
+                    </a:lnL>
+                    <a:lnR>
+                      <a:noFill/>
+                    </a:lnR>
+                    <a:lnT>
+                      <a:noFill/>
+                    </a:lnT>
+                    <a:lnB>
+                      <a:noFill/>
+                    </a:lnB>
+                  </a:tcPr>
+                </a:tc>
+                <a:tc>
+                  <a:txBody>
+                    <a:bodyPr/>
+                    <a:lstStyle/>
+                    <a:p>
+                      <a:r>
+                        <a:rPr lang="en-US" sz="1500"/>
+                        <a:t>SW</a:t>
+                      </a:r>
+                    </a:p>
+                  </a:txBody>
+                  <a:tcPr marL="78358" marR="78358" marT="39179" marB="39179" anchor="ctr">
+                    <a:lnL>
+                      <a:noFill/>
+                    </a:lnL>
+                    <a:lnR>
+                      <a:noFill/>
+                    </a:lnR>
+                    <a:lnT>
+                      <a:noFill/>
+                    </a:lnT>
+                    <a:lnB>
+                      <a:noFill/>
+                    </a:lnB>
+                  </a:tcPr>
+                </a:tc>
+                <a:tc>
+                  <a:txBody>
+                    <a:bodyPr/>
+                    <a:lstStyle/>
+                    <a:p>
+                      <a:r>
+                        <a:rPr lang="en-US" sz="1500"/>
+                        <a:t>S9</a:t>
+                      </a:r>
+                    </a:p>
+                  </a:txBody>
+                  <a:tcPr marL="78358" marR="78358" marT="39179" marB="39179" anchor="ctr">
+                    <a:lnL>
+                      <a:noFill/>
+                    </a:lnL>
+                    <a:lnR>
+                      <a:noFill/>
+                    </a:lnR>
+                    <a:lnT>
+                      <a:noFill/>
+                    </a:lnT>
+                    <a:lnB>
+                      <a:noFill/>
+                    </a:lnB>
+                  </a:tcPr>
+                </a:tc>
+                <a:extLst>
+                  <a:ext uri="{0D108BD9-81ED-4DB2-BD59-A6C34878D82A}">
+                    <a16:rowId xmlns:a16="http://schemas.microsoft.com/office/drawing/2014/main" val="4270266229"/>
+                  </a:ext>
+                </a:extLst>
+              </a:tr>
+              <a:tr h="313432">
+                <a:tc>
+                  <a:txBody>
+                    <a:bodyPr/>
+                    <a:lstStyle/>
+                    <a:p>
+                      <a:r>
+                        <a:rPr lang="en-US" sz="1500" b="1"/>
+                        <a:t>S3 (MEM_READ)</a:t>
+                      </a:r>
+                      <a:endParaRPr lang="en-US" sz="1500"/>
+                    </a:p>
+                  </a:txBody>
+                  <a:tcPr marL="78358" marR="78358" marT="39179" marB="39179" anchor="ctr">
+                    <a:lnL>
+                      <a:noFill/>
+                    </a:lnL>
+                    <a:lnR>
+                      <a:noFill/>
+                    </a:lnR>
+                    <a:lnT>
+                      <a:noFill/>
+                    </a:lnT>
+                    <a:lnB>
+                      <a:noFill/>
+                    </a:lnB>
+                  </a:tcPr>
+                </a:tc>
+                <a:tc>
+                  <a:txBody>
+                    <a:bodyPr/>
+                    <a:lstStyle/>
+                    <a:p>
+                      <a:r>
+                        <a:rPr lang="en-US" sz="1500"/>
+                        <a:t>—</a:t>
+                      </a:r>
+                    </a:p>
+                  </a:txBody>
+                  <a:tcPr marL="78358" marR="78358" marT="39179" marB="39179" anchor="ctr">
+                    <a:lnL>
+                      <a:noFill/>
+                    </a:lnL>
+                    <a:lnR>
+                      <a:noFill/>
+                    </a:lnR>
+                    <a:lnT>
+                      <a:noFill/>
+                    </a:lnT>
+                    <a:lnB>
+                      <a:noFill/>
+                    </a:lnB>
+                  </a:tcPr>
+                </a:tc>
+                <a:tc>
+                  <a:txBody>
+                    <a:bodyPr/>
+                    <a:lstStyle/>
+                    <a:p>
+                      <a:r>
+                        <a:rPr lang="en-US" sz="1500"/>
+                        <a:t>S4</a:t>
+                      </a:r>
+                    </a:p>
+                  </a:txBody>
+                  <a:tcPr marL="78358" marR="78358" marT="39179" marB="39179" anchor="ctr">
+                    <a:lnL>
+                      <a:noFill/>
+                    </a:lnL>
+                    <a:lnR>
+                      <a:noFill/>
+                    </a:lnR>
+                    <a:lnT>
+                      <a:noFill/>
+                    </a:lnT>
+                    <a:lnB>
+                      <a:noFill/>
+                    </a:lnB>
+                  </a:tcPr>
+                </a:tc>
+                <a:extLst>
+                  <a:ext uri="{0D108BD9-81ED-4DB2-BD59-A6C34878D82A}">
+                    <a16:rowId xmlns:a16="http://schemas.microsoft.com/office/drawing/2014/main" val="3837662526"/>
+                  </a:ext>
+                </a:extLst>
+              </a:tr>
+              <a:tr h="313432">
+                <a:tc>
+                  <a:txBody>
+                    <a:bodyPr/>
+                    <a:lstStyle/>
+                    <a:p>
+                      <a:r>
+                        <a:rPr lang="en-US" sz="1500" b="1"/>
+                        <a:t>S4 (LOAD_WB)</a:t>
+                      </a:r>
+                      <a:endParaRPr lang="en-US" sz="1500"/>
+                    </a:p>
+                  </a:txBody>
+                  <a:tcPr marL="78358" marR="78358" marT="39179" marB="39179" anchor="ctr">
+                    <a:lnL>
+                      <a:noFill/>
+                    </a:lnL>
+                    <a:lnR>
+                      <a:noFill/>
+                    </a:lnR>
+                    <a:lnT>
+                      <a:noFill/>
+                    </a:lnT>
+                    <a:lnB>
+                      <a:noFill/>
+                    </a:lnB>
+                  </a:tcPr>
+                </a:tc>
+                <a:tc>
+                  <a:txBody>
+                    <a:bodyPr/>
+                    <a:lstStyle/>
+                    <a:p>
+                      <a:r>
+                        <a:rPr lang="en-US" sz="1500"/>
+                        <a:t>—</a:t>
+                      </a:r>
+                    </a:p>
+                  </a:txBody>
+                  <a:tcPr marL="78358" marR="78358" marT="39179" marB="39179" anchor="ctr">
+                    <a:lnL>
+                      <a:noFill/>
+                    </a:lnL>
+                    <a:lnR>
+                      <a:noFill/>
+                    </a:lnR>
+                    <a:lnT>
+                      <a:noFill/>
+                    </a:lnT>
+                    <a:lnB>
+                      <a:noFill/>
+                    </a:lnB>
+                  </a:tcPr>
+                </a:tc>
+                <a:tc>
+                  <a:txBody>
+                    <a:bodyPr/>
+                    <a:lstStyle/>
+                    <a:p>
+                      <a:r>
+                        <a:rPr lang="en-US" sz="1500"/>
+                        <a:t>S0</a:t>
+                      </a:r>
+                    </a:p>
+                  </a:txBody>
+                  <a:tcPr marL="78358" marR="78358" marT="39179" marB="39179" anchor="ctr">
+                    <a:lnL>
+                      <a:noFill/>
+                    </a:lnL>
+                    <a:lnR>
+                      <a:noFill/>
+                    </a:lnR>
+                    <a:lnT>
+                      <a:noFill/>
+                    </a:lnT>
+                    <a:lnB>
+                      <a:noFill/>
+                    </a:lnB>
+                  </a:tcPr>
+                </a:tc>
+                <a:extLst>
+                  <a:ext uri="{0D108BD9-81ED-4DB2-BD59-A6C34878D82A}">
+                    <a16:rowId xmlns:a16="http://schemas.microsoft.com/office/drawing/2014/main" val="1926205626"/>
+                  </a:ext>
+                </a:extLst>
+              </a:tr>
+              <a:tr h="313432">
+                <a:tc>
+                  <a:txBody>
+                    <a:bodyPr/>
+                    <a:lstStyle/>
+                    <a:p>
+                      <a:r>
+                        <a:rPr lang="en-US" sz="1500" b="1"/>
+                        <a:t>S5 (R_EXEC)</a:t>
+                      </a:r>
+                      <a:endParaRPr lang="en-US" sz="1500"/>
+                    </a:p>
+                  </a:txBody>
+                  <a:tcPr marL="78358" marR="78358" marT="39179" marB="39179" anchor="ctr">
+                    <a:lnL>
+                      <a:noFill/>
+                    </a:lnL>
+                    <a:lnR>
+                      <a:noFill/>
+                    </a:lnR>
+                    <a:lnT>
+                      <a:noFill/>
+                    </a:lnT>
+                    <a:lnB>
+                      <a:noFill/>
+                    </a:lnB>
+                  </a:tcPr>
+                </a:tc>
+                <a:tc>
+                  <a:txBody>
+                    <a:bodyPr/>
+                    <a:lstStyle/>
+                    <a:p>
+                      <a:r>
+                        <a:rPr lang="en-US" sz="1500"/>
+                        <a:t>—</a:t>
+                      </a:r>
+                    </a:p>
+                  </a:txBody>
+                  <a:tcPr marL="78358" marR="78358" marT="39179" marB="39179" anchor="ctr">
+                    <a:lnL>
+                      <a:noFill/>
+                    </a:lnL>
+                    <a:lnR>
+                      <a:noFill/>
+                    </a:lnR>
+                    <a:lnT>
+                      <a:noFill/>
+                    </a:lnT>
+                    <a:lnB>
+                      <a:noFill/>
+                    </a:lnB>
+                  </a:tcPr>
+                </a:tc>
+                <a:tc>
+                  <a:txBody>
+                    <a:bodyPr/>
+                    <a:lstStyle/>
+                    <a:p>
+                      <a:r>
+                        <a:rPr lang="en-US" sz="1500"/>
+                        <a:t>S6</a:t>
+                      </a:r>
+                    </a:p>
+                  </a:txBody>
+                  <a:tcPr marL="78358" marR="78358" marT="39179" marB="39179" anchor="ctr">
+                    <a:lnL>
+                      <a:noFill/>
+                    </a:lnL>
+                    <a:lnR>
+                      <a:noFill/>
+                    </a:lnR>
+                    <a:lnT>
+                      <a:noFill/>
+                    </a:lnT>
+                    <a:lnB>
+                      <a:noFill/>
+                    </a:lnB>
+                  </a:tcPr>
+                </a:tc>
+                <a:extLst>
+                  <a:ext uri="{0D108BD9-81ED-4DB2-BD59-A6C34878D82A}">
+                    <a16:rowId xmlns:a16="http://schemas.microsoft.com/office/drawing/2014/main" val="2694911895"/>
+                  </a:ext>
+                </a:extLst>
+              </a:tr>
+              <a:tr h="313432">
+                <a:tc>
+                  <a:txBody>
+                    <a:bodyPr/>
+                    <a:lstStyle/>
+                    <a:p>
+                      <a:r>
+                        <a:rPr lang="en-US" sz="1500" b="1"/>
+                        <a:t>S6 (R_WB)</a:t>
+                      </a:r>
+                      <a:endParaRPr lang="en-US" sz="1500"/>
+                    </a:p>
+                  </a:txBody>
+                  <a:tcPr marL="78358" marR="78358" marT="39179" marB="39179" anchor="ctr">
+                    <a:lnL>
+                      <a:noFill/>
+                    </a:lnL>
+                    <a:lnR>
+                      <a:noFill/>
+                    </a:lnR>
+                    <a:lnT>
+                      <a:noFill/>
+                    </a:lnT>
+                    <a:lnB>
+                      <a:noFill/>
+                    </a:lnB>
+                  </a:tcPr>
+                </a:tc>
+                <a:tc>
+                  <a:txBody>
+                    <a:bodyPr/>
+                    <a:lstStyle/>
+                    <a:p>
+                      <a:r>
+                        <a:rPr lang="en-US" sz="1500"/>
+                        <a:t>—</a:t>
+                      </a:r>
+                    </a:p>
+                  </a:txBody>
+                  <a:tcPr marL="78358" marR="78358" marT="39179" marB="39179" anchor="ctr">
+                    <a:lnL>
+                      <a:noFill/>
+                    </a:lnL>
+                    <a:lnR>
+                      <a:noFill/>
+                    </a:lnR>
+                    <a:lnT>
+                      <a:noFill/>
+                    </a:lnT>
+                    <a:lnB>
+                      <a:noFill/>
+                    </a:lnB>
+                  </a:tcPr>
+                </a:tc>
+                <a:tc>
+                  <a:txBody>
+                    <a:bodyPr/>
+                    <a:lstStyle/>
+                    <a:p>
+                      <a:r>
+                        <a:rPr lang="en-US" sz="1500"/>
+                        <a:t>S0</a:t>
+                      </a:r>
+                    </a:p>
+                  </a:txBody>
+                  <a:tcPr marL="78358" marR="78358" marT="39179" marB="39179" anchor="ctr">
+                    <a:lnL>
+                      <a:noFill/>
+                    </a:lnL>
+                    <a:lnR>
+                      <a:noFill/>
+                    </a:lnR>
+                    <a:lnT>
+                      <a:noFill/>
+                    </a:lnT>
+                    <a:lnB>
+                      <a:noFill/>
+                    </a:lnB>
+                  </a:tcPr>
+                </a:tc>
+                <a:extLst>
+                  <a:ext uri="{0D108BD9-81ED-4DB2-BD59-A6C34878D82A}">
+                    <a16:rowId xmlns:a16="http://schemas.microsoft.com/office/drawing/2014/main" val="3448713956"/>
+                  </a:ext>
+                </a:extLst>
+              </a:tr>
+              <a:tr h="313432">
+                <a:tc>
+                  <a:txBody>
+                    <a:bodyPr/>
+                    <a:lstStyle/>
+                    <a:p>
+                      <a:r>
+                        <a:rPr lang="en-US" sz="1500" b="1"/>
+                        <a:t>S7 (BRANCH)</a:t>
+                      </a:r>
+                      <a:endParaRPr lang="en-US" sz="1500"/>
+                    </a:p>
+                  </a:txBody>
+                  <a:tcPr marL="78358" marR="78358" marT="39179" marB="39179" anchor="ctr">
+                    <a:lnL>
+                      <a:noFill/>
+                    </a:lnL>
+                    <a:lnR>
+                      <a:noFill/>
+                    </a:lnR>
+                    <a:lnT>
+                      <a:noFill/>
+                    </a:lnT>
+                    <a:lnB>
+                      <a:noFill/>
+                    </a:lnB>
+                  </a:tcPr>
+                </a:tc>
+                <a:tc>
+                  <a:txBody>
+                    <a:bodyPr/>
+                    <a:lstStyle/>
+                    <a:p>
+                      <a:r>
+                        <a:rPr lang="en-US" sz="1500"/>
+                        <a:t>—</a:t>
+                      </a:r>
+                    </a:p>
+                  </a:txBody>
+                  <a:tcPr marL="78358" marR="78358" marT="39179" marB="39179" anchor="ctr">
+                    <a:lnL>
+                      <a:noFill/>
+                    </a:lnL>
+                    <a:lnR>
+                      <a:noFill/>
+                    </a:lnR>
+                    <a:lnT>
+                      <a:noFill/>
+                    </a:lnT>
+                    <a:lnB>
+                      <a:noFill/>
+                    </a:lnB>
+                  </a:tcPr>
+                </a:tc>
+                <a:tc>
+                  <a:txBody>
+                    <a:bodyPr/>
+                    <a:lstStyle/>
+                    <a:p>
+                      <a:r>
+                        <a:rPr lang="en-US" sz="1500"/>
+                        <a:t>S0</a:t>
+                      </a:r>
+                    </a:p>
+                  </a:txBody>
+                  <a:tcPr marL="78358" marR="78358" marT="39179" marB="39179" anchor="ctr">
+                    <a:lnL>
+                      <a:noFill/>
+                    </a:lnL>
+                    <a:lnR>
+                      <a:noFill/>
+                    </a:lnR>
+                    <a:lnT>
+                      <a:noFill/>
+                    </a:lnT>
+                    <a:lnB>
+                      <a:noFill/>
+                    </a:lnB>
+                  </a:tcPr>
+                </a:tc>
+                <a:extLst>
+                  <a:ext uri="{0D108BD9-81ED-4DB2-BD59-A6C34878D82A}">
+                    <a16:rowId xmlns:a16="http://schemas.microsoft.com/office/drawing/2014/main" val="996450292"/>
+                  </a:ext>
+                </a:extLst>
+              </a:tr>
+              <a:tr h="313432">
+                <a:tc>
+                  <a:txBody>
+                    <a:bodyPr/>
+                    <a:lstStyle/>
+                    <a:p>
+                      <a:r>
+                        <a:rPr lang="en-US" sz="1500" b="1"/>
+                        <a:t>S8 (JUMP)</a:t>
+                      </a:r>
+                      <a:endParaRPr lang="en-US" sz="1500"/>
+                    </a:p>
+                  </a:txBody>
+                  <a:tcPr marL="78358" marR="78358" marT="39179" marB="39179" anchor="ctr">
+                    <a:lnL>
+                      <a:noFill/>
+                    </a:lnL>
+                    <a:lnR>
+                      <a:noFill/>
+                    </a:lnR>
+                    <a:lnT>
+                      <a:noFill/>
+                    </a:lnT>
+                    <a:lnB>
+                      <a:noFill/>
+                    </a:lnB>
+                  </a:tcPr>
+                </a:tc>
+                <a:tc>
+                  <a:txBody>
+                    <a:bodyPr/>
+                    <a:lstStyle/>
+                    <a:p>
+                      <a:r>
+                        <a:rPr lang="en-US" sz="1500"/>
+                        <a:t>—</a:t>
+                      </a:r>
+                    </a:p>
+                  </a:txBody>
+                  <a:tcPr marL="78358" marR="78358" marT="39179" marB="39179" anchor="ctr">
+                    <a:lnL>
+                      <a:noFill/>
+                    </a:lnL>
+                    <a:lnR>
+                      <a:noFill/>
+                    </a:lnR>
+                    <a:lnT>
+                      <a:noFill/>
+                    </a:lnT>
+                    <a:lnB>
+                      <a:noFill/>
+                    </a:lnB>
+                  </a:tcPr>
+                </a:tc>
+                <a:tc>
+                  <a:txBody>
+                    <a:bodyPr/>
+                    <a:lstStyle/>
+                    <a:p>
+                      <a:r>
+                        <a:rPr lang="en-US" sz="1500"/>
+                        <a:t>S0</a:t>
+                      </a:r>
+                    </a:p>
+                  </a:txBody>
+                  <a:tcPr marL="78358" marR="78358" marT="39179" marB="39179" anchor="ctr">
+                    <a:lnL>
+                      <a:noFill/>
+                    </a:lnL>
+                    <a:lnR>
+                      <a:noFill/>
+                    </a:lnR>
+                    <a:lnT>
+                      <a:noFill/>
+                    </a:lnT>
+                    <a:lnB>
+                      <a:noFill/>
+                    </a:lnB>
+                  </a:tcPr>
+                </a:tc>
+                <a:extLst>
+                  <a:ext uri="{0D108BD9-81ED-4DB2-BD59-A6C34878D82A}">
+                    <a16:rowId xmlns:a16="http://schemas.microsoft.com/office/drawing/2014/main" val="270015213"/>
+                  </a:ext>
+                </a:extLst>
+              </a:tr>
+              <a:tr h="313432">
+                <a:tc>
+                  <a:txBody>
+                    <a:bodyPr/>
+                    <a:lstStyle/>
+                    <a:p>
+                      <a:r>
+                        <a:rPr lang="en-US" sz="1500" b="1"/>
+                        <a:t>S9 (MEM_WRITE)</a:t>
+                      </a:r>
+                      <a:endParaRPr lang="en-US" sz="1500"/>
+                    </a:p>
+                  </a:txBody>
+                  <a:tcPr marL="78358" marR="78358" marT="39179" marB="39179" anchor="ctr">
+                    <a:lnL>
+                      <a:noFill/>
+                    </a:lnL>
+                    <a:lnR>
+                      <a:noFill/>
+                    </a:lnR>
+                    <a:lnT>
+                      <a:noFill/>
+                    </a:lnT>
+                    <a:lnB>
+                      <a:noFill/>
+                    </a:lnB>
+                  </a:tcPr>
+                </a:tc>
+                <a:tc>
+                  <a:txBody>
+                    <a:bodyPr/>
+                    <a:lstStyle/>
+                    <a:p>
+                      <a:r>
+                        <a:rPr lang="en-US" sz="1500"/>
+                        <a:t>—</a:t>
+                      </a:r>
+                    </a:p>
+                  </a:txBody>
+                  <a:tcPr marL="78358" marR="78358" marT="39179" marB="39179" anchor="ctr">
+                    <a:lnL>
+                      <a:noFill/>
+                    </a:lnL>
+                    <a:lnR>
+                      <a:noFill/>
+                    </a:lnR>
+                    <a:lnT>
+                      <a:noFill/>
+                    </a:lnT>
+                    <a:lnB>
+                      <a:noFill/>
+                    </a:lnB>
+                  </a:tcPr>
+                </a:tc>
+                <a:tc>
+                  <a:txBody>
+                    <a:bodyPr/>
+                    <a:lstStyle/>
+                    <a:p>
+                      <a:r>
+                        <a:rPr lang="en-US" sz="1500" dirty="0"/>
+                        <a:t>S0</a:t>
+                      </a:r>
+                    </a:p>
+                  </a:txBody>
+                  <a:tcPr marL="78358" marR="78358" marT="39179" marB="39179" anchor="ctr">
+                    <a:lnL>
+                      <a:noFill/>
+                    </a:lnL>
+                    <a:lnR>
+                      <a:noFill/>
+                    </a:lnR>
+                    <a:lnT>
+                      <a:noFill/>
+                    </a:lnT>
+                    <a:lnB>
+                      <a:noFill/>
+                    </a:lnB>
+                  </a:tcPr>
+                </a:tc>
+                <a:extLst>
+                  <a:ext uri="{0D108BD9-81ED-4DB2-BD59-A6C34878D82A}">
+                    <a16:rowId xmlns:a16="http://schemas.microsoft.com/office/drawing/2014/main" val="3142647674"/>
+                  </a:ext>
+                </a:extLst>
+              </a:tr>
+            </a:tbl>
+          </a:graphicData>
+        </a:graphic>
+      </p:graphicFrame>
+      <p:sp>
+        <p:nvSpPr>
+          <p:cNvPr id="4" name="Date Placeholder 3">
+            <a:extLst>
+              <a:ext uri="{FF2B5EF4-FFF2-40B4-BE49-F238E27FC236}">
+                <a16:creationId xmlns:a16="http://schemas.microsoft.com/office/drawing/2014/main" id="{487A4EA2-4D0E-4D79-998D-837E30F45C70}"/>
+              </a:ext>
+            </a:extLst>
+          </p:cNvPr>
+          <p:cNvSpPr>
+            <a:spLocks noGrp="1"/>
+          </p:cNvSpPr>
+          <p:nvPr>
+            <p:ph type="dt" sz="half" idx="10"/>
+          </p:nvPr>
+        </p:nvSpPr>
+        <p:spPr/>
+        <p:txBody>
+          <a:bodyPr/>
+          <a:lstStyle/>
+          <a:p>
+            <a:pPr>
+              <a:defRPr/>
+            </a:pPr>
+            <a:r>
+              <a:rPr lang="en-US"/>
+              <a:t>21/12/2020</a:t>
+            </a:r>
+          </a:p>
+        </p:txBody>
+      </p:sp>
+      <p:sp>
+        <p:nvSpPr>
+          <p:cNvPr id="5" name="Slide Number Placeholder 4">
+            <a:extLst>
+              <a:ext uri="{FF2B5EF4-FFF2-40B4-BE49-F238E27FC236}">
+                <a16:creationId xmlns:a16="http://schemas.microsoft.com/office/drawing/2014/main" id="{E7BFB17D-795C-441D-9F6F-D94ED337A6C5}"/>
+              </a:ext>
+            </a:extLst>
+          </p:cNvPr>
+          <p:cNvSpPr>
+            <a:spLocks noGrp="1"/>
+          </p:cNvSpPr>
+          <p:nvPr>
+            <p:ph type="sldNum" sz="quarter" idx="12"/>
+          </p:nvPr>
+        </p:nvSpPr>
+        <p:spPr/>
+        <p:txBody>
+          <a:bodyPr/>
+          <a:lstStyle/>
+          <a:p>
+            <a:pPr>
+              <a:defRPr/>
+            </a:pPr>
+            <a:fld id="{CA887A73-1AE0-46F8-856A-18EA1CF30A1B}" type="slidenum">
+              <a:rPr lang="en-US" altLang="en-US" smtClean="0"/>
+              <a:pPr>
+                <a:defRPr/>
+              </a:pPr>
+              <a:t>16</a:t>
+            </a:fld>
+            <a:endParaRPr lang="en-US" altLang="en-US"/>
+          </a:p>
+        </p:txBody>
+      </p:sp>
+    </p:spTree>
+    <p:extLst>
+      <p:ext uri="{BB962C8B-B14F-4D97-AF65-F5344CB8AC3E}">
+        <p14:creationId xmlns:p14="http://schemas.microsoft.com/office/powerpoint/2010/main" val="1344876180"/>
+      </p:ext>
+    </p:extLst>
+  </p:cSld>
+  <p:clrMapOvr>
+    <a:masterClrMapping/>
+  </p:clrMapOvr>
+</p:sld>
+</file>
+
+<file path=ppt/slides/slide17.xml><?xml version="1.0" encoding="utf-8"?>
+<p:sld xmlns:a="http://schemas.openxmlformats.org/drawingml/2006/main" xmlns:r="http://schemas.openxmlformats.org/officeDocument/2006/relationships" xmlns:p="http://schemas.openxmlformats.org/presentationml/2006/main">
+  <p:cSld>
+    <p:spTree>
+      <p:nvGrpSpPr>
+        <p:cNvPr id="1" name=""/>
+        <p:cNvGrpSpPr/>
+        <p:nvPr/>
+      </p:nvGrpSpPr>
+      <p:grpSpPr>
+        <a:xfrm>
+          <a:off x="0" y="0"/>
+          <a:ext cx="0" cy="0"/>
+          <a:chOff x="0" y="0"/>
+          <a:chExt cx="0" cy="0"/>
+        </a:xfrm>
+      </p:grpSpPr>
+      <p:sp>
+        <p:nvSpPr>
+          <p:cNvPr id="2" name="Title 1">
+            <a:extLst>
+              <a:ext uri="{FF2B5EF4-FFF2-40B4-BE49-F238E27FC236}">
+                <a16:creationId xmlns:a16="http://schemas.microsoft.com/office/drawing/2014/main" id="{32C2D673-0270-4043-8C95-31F020C53CC9}"/>
+              </a:ext>
+            </a:extLst>
+          </p:cNvPr>
+          <p:cNvSpPr>
+            <a:spLocks noGrp="1"/>
+          </p:cNvSpPr>
+          <p:nvPr>
+            <p:ph type="title"/>
+          </p:nvPr>
+        </p:nvSpPr>
+        <p:spPr/>
+        <p:txBody>
+          <a:bodyPr/>
+          <a:lstStyle/>
+          <a:p>
+            <a:r>
+              <a:rPr lang="en-US" dirty="0"/>
+              <a:t>The challenge with a hardwired FSM</a:t>
+            </a:r>
+          </a:p>
+        </p:txBody>
+      </p:sp>
+      <p:sp>
+        <p:nvSpPr>
+          <p:cNvPr id="3" name="Content Placeholder 2">
+            <a:extLst>
+              <a:ext uri="{FF2B5EF4-FFF2-40B4-BE49-F238E27FC236}">
+                <a16:creationId xmlns:a16="http://schemas.microsoft.com/office/drawing/2014/main" id="{F2883EF8-5778-4AC7-A209-57E1565A32C1}"/>
+              </a:ext>
+            </a:extLst>
+          </p:cNvPr>
+          <p:cNvSpPr>
+            <a:spLocks noGrp="1"/>
+          </p:cNvSpPr>
+          <p:nvPr>
+            <p:ph idx="1"/>
+          </p:nvPr>
+        </p:nvSpPr>
+        <p:spPr/>
+        <p:txBody>
+          <a:bodyPr/>
+          <a:lstStyle/>
+          <a:p>
+            <a:r>
+              <a:rPr lang="en-US" dirty="0"/>
+              <a:t>Complex for large ISAs</a:t>
+            </a:r>
+          </a:p>
+          <a:p>
+            <a:r>
+              <a:rPr lang="en-US" dirty="0"/>
+              <a:t>Difficult to modify</a:t>
+            </a:r>
+          </a:p>
+          <a:p>
+            <a:r>
+              <a:rPr lang="en-US" dirty="0"/>
+              <a:t>State explosion – adding one new instruction can substantially increase the number of states!</a:t>
+            </a:r>
+          </a:p>
+        </p:txBody>
+      </p:sp>
+      <p:sp>
+        <p:nvSpPr>
+          <p:cNvPr id="4" name="Date Placeholder 3">
+            <a:extLst>
+              <a:ext uri="{FF2B5EF4-FFF2-40B4-BE49-F238E27FC236}">
+                <a16:creationId xmlns:a16="http://schemas.microsoft.com/office/drawing/2014/main" id="{CF1AA827-AE0F-4360-BAA9-FAEED28587BB}"/>
+              </a:ext>
+            </a:extLst>
+          </p:cNvPr>
+          <p:cNvSpPr>
+            <a:spLocks noGrp="1"/>
+          </p:cNvSpPr>
+          <p:nvPr>
+            <p:ph type="dt" sz="half" idx="10"/>
+          </p:nvPr>
+        </p:nvSpPr>
+        <p:spPr/>
+        <p:txBody>
+          <a:bodyPr/>
+          <a:lstStyle/>
+          <a:p>
+            <a:pPr>
+              <a:defRPr/>
+            </a:pPr>
+            <a:r>
+              <a:rPr lang="en-US"/>
+              <a:t>21/12/2020</a:t>
+            </a:r>
+          </a:p>
+        </p:txBody>
+      </p:sp>
+      <p:sp>
+        <p:nvSpPr>
+          <p:cNvPr id="5" name="Slide Number Placeholder 4">
+            <a:extLst>
+              <a:ext uri="{FF2B5EF4-FFF2-40B4-BE49-F238E27FC236}">
+                <a16:creationId xmlns:a16="http://schemas.microsoft.com/office/drawing/2014/main" id="{334B6DCF-674B-4CDE-B923-1BC04CB3FA06}"/>
+              </a:ext>
+            </a:extLst>
+          </p:cNvPr>
+          <p:cNvSpPr>
+            <a:spLocks noGrp="1"/>
+          </p:cNvSpPr>
+          <p:nvPr>
+            <p:ph type="sldNum" sz="quarter" idx="12"/>
+          </p:nvPr>
+        </p:nvSpPr>
+        <p:spPr/>
+        <p:txBody>
+          <a:bodyPr/>
+          <a:lstStyle/>
+          <a:p>
+            <a:pPr>
+              <a:defRPr/>
+            </a:pPr>
+            <a:fld id="{CA887A73-1AE0-46F8-856A-18EA1CF30A1B}" type="slidenum">
+              <a:rPr lang="en-US" altLang="en-US" smtClean="0"/>
+              <a:pPr>
+                <a:defRPr/>
+              </a:pPr>
+              <a:t>17</a:t>
+            </a:fld>
+            <a:endParaRPr lang="en-US" altLang="en-US"/>
+          </a:p>
+        </p:txBody>
+      </p:sp>
+    </p:spTree>
+    <p:extLst>
+      <p:ext uri="{BB962C8B-B14F-4D97-AF65-F5344CB8AC3E}">
+        <p14:creationId xmlns:p14="http://schemas.microsoft.com/office/powerpoint/2010/main" val="4117197461"/>
+      </p:ext>
+    </p:extLst>
+  </p:cSld>
+  <p:clrMapOvr>
+    <a:masterClrMapping/>
+  </p:clrMapOvr>
+  <p:timing>
+    <p:tnLst>
+      <p:par>
+        <p:cTn id="1" dur="indefinite" restart="never" nodeType="tmRoot">
+          <p:childTnLst>
+            <p:seq concurrent="1" nextAc="seek">
+              <p:cTn id="2" dur="indefinite" nodeType="mainSeq">
+                <p:childTnLst>
+                  <p:par>
+                    <p:cTn id="3" fill="hold">
+                      <p:stCondLst>
+                        <p:cond delay="indefinite"/>
+                      </p:stCondLst>
+                      <p:childTnLst>
+                        <p:par>
+                          <p:cTn id="4" fill="hold">
+                            <p:stCondLst>
+                              <p:cond delay="0"/>
+                            </p:stCondLst>
+                            <p:childTnLst>
+                              <p:par>
+                                <p:cTn id="5" presetID="1" presetClass="entr" presetSubtype="0" fill="hold" grpId="0" nodeType="clickEffect">
+                                  <p:stCondLst>
+                                    <p:cond delay="0"/>
+                                  </p:stCondLst>
+                                  <p:childTnLst>
+                                    <p:set>
+                                      <p:cBhvr>
+                                        <p:cTn id="6" dur="1" fill="hold">
+                                          <p:stCondLst>
+                                            <p:cond delay="0"/>
+                                          </p:stCondLst>
+                                        </p:cTn>
+                                        <p:tgtEl>
+                                          <p:spTgt spid="3">
+                                            <p:txEl>
+                                              <p:pRg st="0" end="0"/>
+                                            </p:txEl>
+                                          </p:spTgt>
+                                        </p:tgtEl>
+                                        <p:attrNameLst>
+                                          <p:attrName>style.visibility</p:attrName>
+                                        </p:attrNameLst>
+                                      </p:cBhvr>
+                                      <p:to>
+                                        <p:strVal val="visible"/>
+                                      </p:to>
+                                    </p:set>
+                                  </p:childTnLst>
+                                </p:cTn>
+                              </p:par>
+                            </p:childTnLst>
+                          </p:cTn>
+                        </p:par>
+                      </p:childTnLst>
+                    </p:cTn>
+                  </p:par>
+                  <p:par>
+                    <p:cTn id="7" fill="hold">
+                      <p:stCondLst>
+                        <p:cond delay="indefinite"/>
+                      </p:stCondLst>
+                      <p:childTnLst>
+                        <p:par>
+                          <p:cTn id="8" fill="hold">
+                            <p:stCondLst>
+                              <p:cond delay="0"/>
+                            </p:stCondLst>
+                            <p:childTnLst>
+                              <p:par>
+                                <p:cTn id="9" presetID="1" presetClass="entr" presetSubtype="0" fill="hold" grpId="0" nodeType="clickEffect">
+                                  <p:stCondLst>
+                                    <p:cond delay="0"/>
+                                  </p:stCondLst>
+                                  <p:childTnLst>
+                                    <p:set>
+                                      <p:cBhvr>
+                                        <p:cTn id="10" dur="1" fill="hold">
+                                          <p:stCondLst>
+                                            <p:cond delay="0"/>
+                                          </p:stCondLst>
+                                        </p:cTn>
+                                        <p:tgtEl>
+                                          <p:spTgt spid="3">
+                                            <p:txEl>
+                                              <p:pRg st="1" end="1"/>
+                                            </p:txEl>
+                                          </p:spTgt>
+                                        </p:tgtEl>
+                                        <p:attrNameLst>
+                                          <p:attrName>style.visibility</p:attrName>
+                                        </p:attrNameLst>
+                                      </p:cBhvr>
+                                      <p:to>
+                                        <p:strVal val="visible"/>
+                                      </p:to>
+                                    </p:set>
+                                  </p:childTnLst>
+                                </p:cTn>
+                              </p:par>
+                            </p:childTnLst>
+                          </p:cTn>
+                        </p:par>
+                      </p:childTnLst>
+                    </p:cTn>
+                  </p:par>
+                  <p:par>
+                    <p:cTn id="11" fill="hold">
+                      <p:stCondLst>
+                        <p:cond delay="indefinite"/>
+                      </p:stCondLst>
+                      <p:childTnLst>
+                        <p:par>
+                          <p:cTn id="12" fill="hold">
+                            <p:stCondLst>
+                              <p:cond delay="0"/>
+                            </p:stCondLst>
+                            <p:childTnLst>
+                              <p:par>
+                                <p:cTn id="13" presetID="1" presetClass="entr" presetSubtype="0" fill="hold" grpId="0" nodeType="clickEffect">
+                                  <p:stCondLst>
+                                    <p:cond delay="0"/>
+                                  </p:stCondLst>
+                                  <p:childTnLst>
+                                    <p:set>
+                                      <p:cBhvr>
+                                        <p:cTn id="14" dur="1" fill="hold">
+                                          <p:stCondLst>
+                                            <p:cond delay="0"/>
+                                          </p:stCondLst>
+                                        </p:cTn>
+                                        <p:tgtEl>
+                                          <p:spTgt spid="3">
+                                            <p:txEl>
+                                              <p:pRg st="2" end="2"/>
+                                            </p:txEl>
+                                          </p:spTgt>
+                                        </p:tgtEl>
+                                        <p:attrNameLst>
+                                          <p:attrName>style.visibility</p:attrName>
+                                        </p:attrNameLst>
+                                      </p:cBhvr>
+                                      <p:to>
+                                        <p:strVal val="visible"/>
+                                      </p:to>
+                                    </p:set>
+                                  </p:childTnLst>
+                                </p:cTn>
+                              </p:par>
+                            </p:childTnLst>
+                          </p:cTn>
+                        </p:par>
+                      </p:childTnLst>
+                    </p:cTn>
+                  </p:par>
+                </p:childTnLst>
+              </p:cTn>
+              <p:prevCondLst>
+                <p:cond evt="onPrev" delay="0">
+                  <p:tgtEl>
+                    <p:sldTgt/>
+                  </p:tgtEl>
+                </p:cond>
+              </p:prevCondLst>
+              <p:nextCondLst>
+                <p:cond evt="onNext" delay="0">
+                  <p:tgtEl>
+                    <p:sldTgt/>
+                  </p:tgtEl>
+                </p:cond>
+              </p:nextCondLst>
+            </p:seq>
+          </p:childTnLst>
+        </p:cTn>
+      </p:par>
+    </p:tnLst>
+    <p:bldLst>
+      <p:bldP spid="3" grpId="0" build="p"/>
+    </p:bldLst>
+  </p:timing>
 </p:sld>
 </file>
 
@@ -8684,7 +13205,7 @@
           <a:p>
             <a:fld id="{B4B13859-67C5-4393-B6C2-556CF3F770C0}" type="datetime3">
               <a:rPr lang="en-US" smtClean="0"/>
-              <a:t>11 February 2026</a:t>
+              <a:t>13 February 2026</a:t>
             </a:fld>
             <a:endParaRPr lang="en-US"/>
           </a:p>
